--- a/Tugas-Besar/Presentasi RPL Kelompok 9.pptx
+++ b/Tugas-Besar/Presentasi RPL Kelompok 9.pptx
@@ -139,6 +139,11 @@
       </a:defRPr>
     </a:lvl9pPr>
   </p:defaultTextStyle>
+  <p:extLst>
+    <p:ext uri="{EFAFB233-063F-42B5-8137-9DF3F51BA10A}">
+      <p15:sldGuideLst xmlns:p15="http://schemas.microsoft.com/office/powerpoint/2012/main"/>
+    </p:ext>
+  </p:extLst>
 </p:presentation>
 </file>
 
@@ -192,7 +197,7 @@
           <a:noFill/>
           <a:extLst>
             <a:ext uri="{909E8E84-426E-40dd-AFC4-6F175D3DCCD1}">
-              <a14:hiddenFill xmlns:a14="http://schemas.microsoft.com/office/drawing/2010/main" xmlns="">
+              <a14:hiddenFill xmlns="" xmlns:a14="http://schemas.microsoft.com/office/drawing/2010/main">
                 <a:solidFill>
                   <a:srgbClr val="FFFFFF"/>
                 </a:solidFill>
@@ -252,7 +257,7 @@
             </a:ln>
             <a:extLst>
               <a:ext uri="{91240B29-F687-4f45-9708-019B960494DF}">
-                <a14:hiddenLine xmlns:a14="http://schemas.microsoft.com/office/drawing/2010/main" xmlns="" w="9525">
+                <a14:hiddenLine xmlns="" xmlns:a14="http://schemas.microsoft.com/office/drawing/2010/main" w="9525">
                   <a:solidFill>
                     <a:srgbClr val="000000"/>
                   </a:solidFill>
@@ -342,7 +347,7 @@
             </a:ln>
             <a:extLst>
               <a:ext uri="{91240B29-F687-4f45-9708-019B960494DF}">
-                <a14:hiddenLine xmlns:a14="http://schemas.microsoft.com/office/drawing/2010/main" xmlns="" w="9525">
+                <a14:hiddenLine xmlns="" xmlns:a14="http://schemas.microsoft.com/office/drawing/2010/main" w="9525">
                   <a:solidFill>
                     <a:srgbClr val="000000"/>
                   </a:solidFill>
@@ -432,7 +437,7 @@
             </a:ln>
             <a:extLst>
               <a:ext uri="{91240B29-F687-4f45-9708-019B960494DF}">
-                <a14:hiddenLine xmlns:a14="http://schemas.microsoft.com/office/drawing/2010/main" xmlns="" w="9525">
+                <a14:hiddenLine xmlns="" xmlns:a14="http://schemas.microsoft.com/office/drawing/2010/main" w="9525">
                   <a:solidFill>
                     <a:srgbClr val="000000"/>
                   </a:solidFill>
@@ -466,7 +471,7 @@
             </a:ln>
             <a:extLst>
               <a:ext uri="{91240B29-F687-4f45-9708-019B960494DF}">
-                <a14:hiddenLine xmlns:a14="http://schemas.microsoft.com/office/drawing/2010/main" xmlns="" w="9525">
+                <a14:hiddenLine xmlns="" xmlns:a14="http://schemas.microsoft.com/office/drawing/2010/main" w="9525">
                   <a:solidFill>
                     <a:srgbClr val="000000"/>
                   </a:solidFill>
@@ -556,7 +561,7 @@
             </a:ln>
             <a:extLst>
               <a:ext uri="{91240B29-F687-4f45-9708-019B960494DF}">
-                <a14:hiddenLine xmlns:a14="http://schemas.microsoft.com/office/drawing/2010/main" xmlns="" w="9525">
+                <a14:hiddenLine xmlns="" xmlns:a14="http://schemas.microsoft.com/office/drawing/2010/main" w="9525">
                   <a:solidFill>
                     <a:srgbClr val="000000"/>
                   </a:solidFill>
@@ -618,7 +623,7 @@
             </a:ln>
             <a:extLst>
               <a:ext uri="{91240B29-F687-4f45-9708-019B960494DF}">
-                <a14:hiddenLine xmlns:a14="http://schemas.microsoft.com/office/drawing/2010/main" xmlns="" w="9525">
+                <a14:hiddenLine xmlns="" xmlns:a14="http://schemas.microsoft.com/office/drawing/2010/main" w="9525">
                   <a:solidFill>
                     <a:srgbClr val="000000"/>
                   </a:solidFill>
@@ -680,7 +685,7 @@
             </a:ln>
             <a:extLst>
               <a:ext uri="{91240B29-F687-4f45-9708-019B960494DF}">
-                <a14:hiddenLine xmlns:a14="http://schemas.microsoft.com/office/drawing/2010/main" xmlns="" w="9525">
+                <a14:hiddenLine xmlns="" xmlns:a14="http://schemas.microsoft.com/office/drawing/2010/main" w="9525">
                   <a:solidFill>
                     <a:srgbClr val="000000"/>
                   </a:solidFill>
@@ -770,7 +775,7 @@
             </a:ln>
             <a:extLst>
               <a:ext uri="{91240B29-F687-4f45-9708-019B960494DF}">
-                <a14:hiddenLine xmlns:a14="http://schemas.microsoft.com/office/drawing/2010/main" xmlns="" w="9525">
+                <a14:hiddenLine xmlns="" xmlns:a14="http://schemas.microsoft.com/office/drawing/2010/main" w="9525">
                   <a:solidFill>
                     <a:srgbClr val="000000"/>
                   </a:solidFill>
@@ -832,7 +837,7 @@
             </a:ln>
             <a:extLst>
               <a:ext uri="{91240B29-F687-4f45-9708-019B960494DF}">
-                <a14:hiddenLine xmlns:a14="http://schemas.microsoft.com/office/drawing/2010/main" xmlns="" w="9525">
+                <a14:hiddenLine xmlns="" xmlns:a14="http://schemas.microsoft.com/office/drawing/2010/main" w="9525">
                   <a:solidFill>
                     <a:srgbClr val="000000"/>
                   </a:solidFill>
@@ -894,7 +899,7 @@
             </a:ln>
             <a:extLst>
               <a:ext uri="{91240B29-F687-4f45-9708-019B960494DF}">
-                <a14:hiddenLine xmlns:a14="http://schemas.microsoft.com/office/drawing/2010/main" xmlns="" w="9525">
+                <a14:hiddenLine xmlns="" xmlns:a14="http://schemas.microsoft.com/office/drawing/2010/main" w="9525">
                   <a:solidFill>
                     <a:srgbClr val="000000"/>
                   </a:solidFill>
@@ -984,7 +989,7 @@
             </a:ln>
             <a:extLst>
               <a:ext uri="{91240B29-F687-4f45-9708-019B960494DF}">
-                <a14:hiddenLine xmlns:a14="http://schemas.microsoft.com/office/drawing/2010/main" xmlns="" w="9525">
+                <a14:hiddenLine xmlns="" xmlns:a14="http://schemas.microsoft.com/office/drawing/2010/main" w="9525">
                   <a:solidFill>
                     <a:srgbClr val="000000"/>
                   </a:solidFill>
@@ -1074,7 +1079,7 @@
             </a:ln>
             <a:extLst>
               <a:ext uri="{91240B29-F687-4f45-9708-019B960494DF}">
-                <a14:hiddenLine xmlns:a14="http://schemas.microsoft.com/office/drawing/2010/main" xmlns="" w="9525">
+                <a14:hiddenLine xmlns="" xmlns:a14="http://schemas.microsoft.com/office/drawing/2010/main" w="9525">
                   <a:solidFill>
                     <a:srgbClr val="000000"/>
                   </a:solidFill>
@@ -1136,7 +1141,7 @@
             </a:ln>
             <a:extLst>
               <a:ext uri="{91240B29-F687-4f45-9708-019B960494DF}">
-                <a14:hiddenLine xmlns:a14="http://schemas.microsoft.com/office/drawing/2010/main" xmlns="" w="9525">
+                <a14:hiddenLine xmlns="" xmlns:a14="http://schemas.microsoft.com/office/drawing/2010/main" w="9525">
                   <a:solidFill>
                     <a:srgbClr val="000000"/>
                   </a:solidFill>
@@ -1246,7 +1251,7 @@
             </a:ln>
             <a:extLst>
               <a:ext uri="{91240B29-F687-4f45-9708-019B960494DF}">
-                <a14:hiddenLine xmlns:a14="http://schemas.microsoft.com/office/drawing/2010/main" xmlns="" w="9525">
+                <a14:hiddenLine xmlns="" xmlns:a14="http://schemas.microsoft.com/office/drawing/2010/main" w="9525">
                   <a:solidFill>
                     <a:srgbClr val="000000"/>
                   </a:solidFill>
@@ -1308,7 +1313,7 @@
             </a:ln>
             <a:extLst>
               <a:ext uri="{91240B29-F687-4f45-9708-019B960494DF}">
-                <a14:hiddenLine xmlns:a14="http://schemas.microsoft.com/office/drawing/2010/main" xmlns="" w="9525">
+                <a14:hiddenLine xmlns="" xmlns:a14="http://schemas.microsoft.com/office/drawing/2010/main" w="9525">
                   <a:solidFill>
                     <a:srgbClr val="000000"/>
                   </a:solidFill>
@@ -1398,7 +1403,7 @@
             </a:ln>
             <a:extLst>
               <a:ext uri="{91240B29-F687-4f45-9708-019B960494DF}">
-                <a14:hiddenLine xmlns:a14="http://schemas.microsoft.com/office/drawing/2010/main" xmlns="" w="9525">
+                <a14:hiddenLine xmlns="" xmlns:a14="http://schemas.microsoft.com/office/drawing/2010/main" w="9525">
                   <a:solidFill>
                     <a:srgbClr val="000000"/>
                   </a:solidFill>
@@ -1488,7 +1493,7 @@
             </a:ln>
             <a:extLst>
               <a:ext uri="{91240B29-F687-4f45-9708-019B960494DF}">
-                <a14:hiddenLine xmlns:a14="http://schemas.microsoft.com/office/drawing/2010/main" xmlns="" w="9525">
+                <a14:hiddenLine xmlns="" xmlns:a14="http://schemas.microsoft.com/office/drawing/2010/main" w="9525">
                   <a:solidFill>
                     <a:srgbClr val="000000"/>
                   </a:solidFill>
@@ -1550,7 +1555,7 @@
             </a:ln>
             <a:extLst>
               <a:ext uri="{91240B29-F687-4f45-9708-019B960494DF}">
-                <a14:hiddenLine xmlns:a14="http://schemas.microsoft.com/office/drawing/2010/main" xmlns="" w="9525">
+                <a14:hiddenLine xmlns="" xmlns:a14="http://schemas.microsoft.com/office/drawing/2010/main" w="9525">
                   <a:solidFill>
                     <a:srgbClr val="000000"/>
                   </a:solidFill>
@@ -1640,7 +1645,7 @@
             </a:ln>
             <a:extLst>
               <a:ext uri="{91240B29-F687-4f45-9708-019B960494DF}">
-                <a14:hiddenLine xmlns:a14="http://schemas.microsoft.com/office/drawing/2010/main" xmlns="" w="9525">
+                <a14:hiddenLine xmlns="" xmlns:a14="http://schemas.microsoft.com/office/drawing/2010/main" w="9525">
                   <a:solidFill>
                     <a:srgbClr val="000000"/>
                   </a:solidFill>
@@ -1730,7 +1735,7 @@
             </a:ln>
             <a:extLst>
               <a:ext uri="{91240B29-F687-4f45-9708-019B960494DF}">
-                <a14:hiddenLine xmlns:a14="http://schemas.microsoft.com/office/drawing/2010/main" xmlns="" w="9525">
+                <a14:hiddenLine xmlns="" xmlns:a14="http://schemas.microsoft.com/office/drawing/2010/main" w="9525">
                   <a:solidFill>
                     <a:srgbClr val="000000"/>
                   </a:solidFill>
@@ -1786,7 +1791,7 @@
             </a:ln>
             <a:extLst>
               <a:ext uri="{91240B29-F687-4f45-9708-019B960494DF}">
-                <a14:hiddenLine xmlns:a14="http://schemas.microsoft.com/office/drawing/2010/main" xmlns="" w="9525">
+                <a14:hiddenLine xmlns="" xmlns:a14="http://schemas.microsoft.com/office/drawing/2010/main" w="9525">
                   <a:solidFill>
                     <a:srgbClr val="000000"/>
                   </a:solidFill>
@@ -1876,7 +1881,7 @@
             </a:ln>
             <a:extLst>
               <a:ext uri="{91240B29-F687-4f45-9708-019B960494DF}">
-                <a14:hiddenLine xmlns:a14="http://schemas.microsoft.com/office/drawing/2010/main" xmlns="" w="9525">
+                <a14:hiddenLine xmlns="" xmlns:a14="http://schemas.microsoft.com/office/drawing/2010/main" w="9525">
                   <a:solidFill>
                     <a:srgbClr val="000000"/>
                   </a:solidFill>
@@ -1932,7 +1937,7 @@
             </a:ln>
             <a:extLst>
               <a:ext uri="{91240B29-F687-4f45-9708-019B960494DF}">
-                <a14:hiddenLine xmlns:a14="http://schemas.microsoft.com/office/drawing/2010/main" xmlns="" w="9525">
+                <a14:hiddenLine xmlns="" xmlns:a14="http://schemas.microsoft.com/office/drawing/2010/main" w="9525">
                   <a:solidFill>
                     <a:srgbClr val="000000"/>
                   </a:solidFill>
@@ -2022,7 +2027,7 @@
             </a:ln>
             <a:extLst>
               <a:ext uri="{91240B29-F687-4f45-9708-019B960494DF}">
-                <a14:hiddenLine xmlns:a14="http://schemas.microsoft.com/office/drawing/2010/main" xmlns="" w="9525">
+                <a14:hiddenLine xmlns="" xmlns:a14="http://schemas.microsoft.com/office/drawing/2010/main" w="9525">
                   <a:solidFill>
                     <a:srgbClr val="000000"/>
                   </a:solidFill>
@@ -2090,7 +2095,7 @@
             </a:ln>
             <a:extLst>
               <a:ext uri="{91240B29-F687-4f45-9708-019B960494DF}">
-                <a14:hiddenLine xmlns:a14="http://schemas.microsoft.com/office/drawing/2010/main" xmlns="" w="9525">
+                <a14:hiddenLine xmlns="" xmlns:a14="http://schemas.microsoft.com/office/drawing/2010/main" w="9525">
                   <a:solidFill>
                     <a:srgbClr val="000000"/>
                   </a:solidFill>
@@ -2180,7 +2185,7 @@
             </a:ln>
             <a:extLst>
               <a:ext uri="{91240B29-F687-4f45-9708-019B960494DF}">
-                <a14:hiddenLine xmlns:a14="http://schemas.microsoft.com/office/drawing/2010/main" xmlns="" w="9525">
+                <a14:hiddenLine xmlns="" xmlns:a14="http://schemas.microsoft.com/office/drawing/2010/main" w="9525">
                   <a:solidFill>
                     <a:srgbClr val="000000"/>
                   </a:solidFill>
@@ -2248,7 +2253,7 @@
             </a:ln>
             <a:extLst>
               <a:ext uri="{91240B29-F687-4f45-9708-019B960494DF}">
-                <a14:hiddenLine xmlns:a14="http://schemas.microsoft.com/office/drawing/2010/main" xmlns="" w="9525">
+                <a14:hiddenLine xmlns="" xmlns:a14="http://schemas.microsoft.com/office/drawing/2010/main" w="9525">
                   <a:solidFill>
                     <a:srgbClr val="000000"/>
                   </a:solidFill>
@@ -2338,7 +2343,7 @@
             </a:ln>
             <a:extLst>
               <a:ext uri="{91240B29-F687-4f45-9708-019B960494DF}">
-                <a14:hiddenLine xmlns:a14="http://schemas.microsoft.com/office/drawing/2010/main" xmlns="" w="9525">
+                <a14:hiddenLine xmlns="" xmlns:a14="http://schemas.microsoft.com/office/drawing/2010/main" w="9525">
                   <a:solidFill>
                     <a:srgbClr val="000000"/>
                   </a:solidFill>
@@ -2372,7 +2377,7 @@
             </a:ln>
             <a:extLst>
               <a:ext uri="{91240B29-F687-4f45-9708-019B960494DF}">
-                <a14:hiddenLine xmlns:a14="http://schemas.microsoft.com/office/drawing/2010/main" xmlns="" w="9525">
+                <a14:hiddenLine xmlns="" xmlns:a14="http://schemas.microsoft.com/office/drawing/2010/main" w="9525">
                   <a:solidFill>
                     <a:srgbClr val="000000"/>
                   </a:solidFill>
@@ -2462,7 +2467,7 @@
             </a:ln>
             <a:extLst>
               <a:ext uri="{91240B29-F687-4f45-9708-019B960494DF}">
-                <a14:hiddenLine xmlns:a14="http://schemas.microsoft.com/office/drawing/2010/main" xmlns="" w="9525">
+                <a14:hiddenLine xmlns="" xmlns:a14="http://schemas.microsoft.com/office/drawing/2010/main" w="9525">
                   <a:solidFill>
                     <a:srgbClr val="000000"/>
                   </a:solidFill>
@@ -2524,7 +2529,7 @@
             </a:ln>
             <a:extLst>
               <a:ext uri="{91240B29-F687-4f45-9708-019B960494DF}">
-                <a14:hiddenLine xmlns:a14="http://schemas.microsoft.com/office/drawing/2010/main" xmlns="" w="9525">
+                <a14:hiddenLine xmlns="" xmlns:a14="http://schemas.microsoft.com/office/drawing/2010/main" w="9525">
                   <a:solidFill>
                     <a:srgbClr val="000000"/>
                   </a:solidFill>
@@ -2586,7 +2591,7 @@
             </a:ln>
             <a:extLst>
               <a:ext uri="{91240B29-F687-4f45-9708-019B960494DF}">
-                <a14:hiddenLine xmlns:a14="http://schemas.microsoft.com/office/drawing/2010/main" xmlns="" w="9525">
+                <a14:hiddenLine xmlns="" xmlns:a14="http://schemas.microsoft.com/office/drawing/2010/main" w="9525">
                   <a:solidFill>
                     <a:srgbClr val="000000"/>
                   </a:solidFill>
@@ -2676,7 +2681,7 @@
             </a:ln>
             <a:extLst>
               <a:ext uri="{91240B29-F687-4f45-9708-019B960494DF}">
-                <a14:hiddenLine xmlns:a14="http://schemas.microsoft.com/office/drawing/2010/main" xmlns="" w="9525">
+                <a14:hiddenLine xmlns="" xmlns:a14="http://schemas.microsoft.com/office/drawing/2010/main" w="9525">
                   <a:solidFill>
                     <a:srgbClr val="000000"/>
                   </a:solidFill>
@@ -2744,7 +2749,7 @@
             </a:ln>
             <a:extLst>
               <a:ext uri="{91240B29-F687-4f45-9708-019B960494DF}">
-                <a14:hiddenLine xmlns:a14="http://schemas.microsoft.com/office/drawing/2010/main" xmlns="" w="9525">
+                <a14:hiddenLine xmlns="" xmlns:a14="http://schemas.microsoft.com/office/drawing/2010/main" w="9525">
                   <a:solidFill>
                     <a:srgbClr val="000000"/>
                   </a:solidFill>
@@ -2806,7 +2811,7 @@
             </a:ln>
             <a:extLst>
               <a:ext uri="{91240B29-F687-4f45-9708-019B960494DF}">
-                <a14:hiddenLine xmlns:a14="http://schemas.microsoft.com/office/drawing/2010/main" xmlns="" w="9525">
+                <a14:hiddenLine xmlns="" xmlns:a14="http://schemas.microsoft.com/office/drawing/2010/main" w="9525">
                   <a:solidFill>
                     <a:srgbClr val="000000"/>
                   </a:solidFill>
@@ -2896,7 +2901,7 @@
             </a:ln>
             <a:extLst>
               <a:ext uri="{91240B29-F687-4f45-9708-019B960494DF}">
-                <a14:hiddenLine xmlns:a14="http://schemas.microsoft.com/office/drawing/2010/main" xmlns="" w="9525">
+                <a14:hiddenLine xmlns="" xmlns:a14="http://schemas.microsoft.com/office/drawing/2010/main" w="9525">
                   <a:solidFill>
                     <a:srgbClr val="000000"/>
                   </a:solidFill>
@@ -2958,7 +2963,7 @@
             </a:ln>
             <a:extLst>
               <a:ext uri="{91240B29-F687-4f45-9708-019B960494DF}">
-                <a14:hiddenLine xmlns:a14="http://schemas.microsoft.com/office/drawing/2010/main" xmlns="" w="9525">
+                <a14:hiddenLine xmlns="" xmlns:a14="http://schemas.microsoft.com/office/drawing/2010/main" w="9525">
                   <a:solidFill>
                     <a:srgbClr val="000000"/>
                   </a:solidFill>
@@ -3048,7 +3053,7 @@
             </a:ln>
             <a:extLst>
               <a:ext uri="{91240B29-F687-4f45-9708-019B960494DF}">
-                <a14:hiddenLine xmlns:a14="http://schemas.microsoft.com/office/drawing/2010/main" xmlns="" w="9525">
+                <a14:hiddenLine xmlns="" xmlns:a14="http://schemas.microsoft.com/office/drawing/2010/main" w="9525">
                   <a:solidFill>
                     <a:srgbClr val="000000"/>
                   </a:solidFill>
@@ -3110,7 +3115,7 @@
             </a:ln>
             <a:extLst>
               <a:ext uri="{91240B29-F687-4f45-9708-019B960494DF}">
-                <a14:hiddenLine xmlns:a14="http://schemas.microsoft.com/office/drawing/2010/main" xmlns="" w="9525">
+                <a14:hiddenLine xmlns="" xmlns:a14="http://schemas.microsoft.com/office/drawing/2010/main" w="9525">
                   <a:solidFill>
                     <a:srgbClr val="000000"/>
                   </a:solidFill>
@@ -3200,7 +3205,7 @@
             </a:ln>
             <a:extLst>
               <a:ext uri="{91240B29-F687-4f45-9708-019B960494DF}">
-                <a14:hiddenLine xmlns:a14="http://schemas.microsoft.com/office/drawing/2010/main" xmlns="" w="9525">
+                <a14:hiddenLine xmlns="" xmlns:a14="http://schemas.microsoft.com/office/drawing/2010/main" w="9525">
                   <a:solidFill>
                     <a:srgbClr val="000000"/>
                   </a:solidFill>
@@ -3234,7 +3239,7 @@
             </a:ln>
             <a:extLst>
               <a:ext uri="{91240B29-F687-4f45-9708-019B960494DF}">
-                <a14:hiddenLine xmlns:a14="http://schemas.microsoft.com/office/drawing/2010/main" xmlns="" w="9525">
+                <a14:hiddenLine xmlns="" xmlns:a14="http://schemas.microsoft.com/office/drawing/2010/main" w="9525">
                   <a:solidFill>
                     <a:srgbClr val="000000"/>
                   </a:solidFill>
@@ -3299,7 +3304,7 @@
             </a:ln>
             <a:extLst>
               <a:ext uri="{91240B29-F687-4f45-9708-019B960494DF}">
-                <a14:hiddenLine xmlns:a14="http://schemas.microsoft.com/office/drawing/2010/main" xmlns="" w="9525">
+                <a14:hiddenLine xmlns="" xmlns:a14="http://schemas.microsoft.com/office/drawing/2010/main" w="9525">
                   <a:solidFill>
                     <a:srgbClr val="000000"/>
                   </a:solidFill>
@@ -3389,7 +3394,7 @@
             </a:ln>
             <a:extLst>
               <a:ext uri="{91240B29-F687-4f45-9708-019B960494DF}">
-                <a14:hiddenLine xmlns:a14="http://schemas.microsoft.com/office/drawing/2010/main" xmlns="" w="9525">
+                <a14:hiddenLine xmlns="" xmlns:a14="http://schemas.microsoft.com/office/drawing/2010/main" w="9525">
                   <a:solidFill>
                     <a:srgbClr val="000000"/>
                   </a:solidFill>
@@ -3451,7 +3456,7 @@
             </a:ln>
             <a:extLst>
               <a:ext uri="{91240B29-F687-4f45-9708-019B960494DF}">
-                <a14:hiddenLine xmlns:a14="http://schemas.microsoft.com/office/drawing/2010/main" xmlns="" w="9525">
+                <a14:hiddenLine xmlns="" xmlns:a14="http://schemas.microsoft.com/office/drawing/2010/main" w="9525">
                   <a:solidFill>
                     <a:srgbClr val="000000"/>
                   </a:solidFill>
@@ -3541,7 +3546,7 @@
             </a:ln>
             <a:extLst>
               <a:ext uri="{91240B29-F687-4f45-9708-019B960494DF}">
-                <a14:hiddenLine xmlns:a14="http://schemas.microsoft.com/office/drawing/2010/main" xmlns="" w="9525">
+                <a14:hiddenLine xmlns="" xmlns:a14="http://schemas.microsoft.com/office/drawing/2010/main" w="9525">
                   <a:solidFill>
                     <a:srgbClr val="000000"/>
                   </a:solidFill>
@@ -3631,7 +3636,7 @@
             </a:ln>
             <a:extLst>
               <a:ext uri="{91240B29-F687-4f45-9708-019B960494DF}">
-                <a14:hiddenLine xmlns:a14="http://schemas.microsoft.com/office/drawing/2010/main" xmlns="" w="9525">
+                <a14:hiddenLine xmlns="" xmlns:a14="http://schemas.microsoft.com/office/drawing/2010/main" w="9525">
                   <a:solidFill>
                     <a:srgbClr val="000000"/>
                   </a:solidFill>
@@ -3696,7 +3701,7 @@
             </a:ln>
             <a:extLst>
               <a:ext uri="{91240B29-F687-4f45-9708-019B960494DF}">
-                <a14:hiddenLine xmlns:a14="http://schemas.microsoft.com/office/drawing/2010/main" xmlns="" w="9525">
+                <a14:hiddenLine xmlns="" xmlns:a14="http://schemas.microsoft.com/office/drawing/2010/main" w="9525">
                   <a:solidFill>
                     <a:srgbClr val="000000"/>
                   </a:solidFill>
@@ -3758,7 +3763,7 @@
             </a:ln>
             <a:extLst>
               <a:ext uri="{91240B29-F687-4f45-9708-019B960494DF}">
-                <a14:hiddenLine xmlns:a14="http://schemas.microsoft.com/office/drawing/2010/main" xmlns="" w="9525">
+                <a14:hiddenLine xmlns="" xmlns:a14="http://schemas.microsoft.com/office/drawing/2010/main" w="9525">
                   <a:solidFill>
                     <a:srgbClr val="000000"/>
                   </a:solidFill>
@@ -3848,7 +3853,7 @@
             </a:ln>
             <a:extLst>
               <a:ext uri="{91240B29-F687-4f45-9708-019B960494DF}">
-                <a14:hiddenLine xmlns:a14="http://schemas.microsoft.com/office/drawing/2010/main" xmlns="" w="9525">
+                <a14:hiddenLine xmlns="" xmlns:a14="http://schemas.microsoft.com/office/drawing/2010/main" w="9525">
                   <a:solidFill>
                     <a:srgbClr val="000000"/>
                   </a:solidFill>
@@ -3938,7 +3943,7 @@
             </a:ln>
             <a:extLst>
               <a:ext uri="{91240B29-F687-4f45-9708-019B960494DF}">
-                <a14:hiddenLine xmlns:a14="http://schemas.microsoft.com/office/drawing/2010/main" xmlns="" w="9525">
+                <a14:hiddenLine xmlns="" xmlns:a14="http://schemas.microsoft.com/office/drawing/2010/main" w="9525">
                   <a:solidFill>
                     <a:srgbClr val="000000"/>
                   </a:solidFill>
@@ -4000,7 +4005,7 @@
             </a:ln>
             <a:extLst>
               <a:ext uri="{91240B29-F687-4f45-9708-019B960494DF}">
-                <a14:hiddenLine xmlns:a14="http://schemas.microsoft.com/office/drawing/2010/main" xmlns="" w="9525">
+                <a14:hiddenLine xmlns="" xmlns:a14="http://schemas.microsoft.com/office/drawing/2010/main" w="9525">
                   <a:solidFill>
                     <a:srgbClr val="000000"/>
                   </a:solidFill>
@@ -4120,7 +4125,7 @@
             </a:ln>
             <a:extLst>
               <a:ext uri="{91240B29-F687-4f45-9708-019B960494DF}">
-                <a14:hiddenLine xmlns:a14="http://schemas.microsoft.com/office/drawing/2010/main" xmlns="" w="9525">
+                <a14:hiddenLine xmlns="" xmlns:a14="http://schemas.microsoft.com/office/drawing/2010/main" w="9525">
                   <a:solidFill>
                     <a:srgbClr val="000000"/>
                   </a:solidFill>
@@ -4188,7 +4193,7 @@
             </a:ln>
             <a:extLst>
               <a:ext uri="{91240B29-F687-4f45-9708-019B960494DF}">
-                <a14:hiddenLine xmlns:a14="http://schemas.microsoft.com/office/drawing/2010/main" xmlns="" w="9525">
+                <a14:hiddenLine xmlns="" xmlns:a14="http://schemas.microsoft.com/office/drawing/2010/main" w="9525">
                   <a:solidFill>
                     <a:srgbClr val="000000"/>
                   </a:solidFill>
@@ -4278,7 +4283,7 @@
             </a:ln>
             <a:extLst>
               <a:ext uri="{91240B29-F687-4f45-9708-019B960494DF}">
-                <a14:hiddenLine xmlns:a14="http://schemas.microsoft.com/office/drawing/2010/main" xmlns="" w="9525">
+                <a14:hiddenLine xmlns="" xmlns:a14="http://schemas.microsoft.com/office/drawing/2010/main" w="9525">
                   <a:solidFill>
                     <a:srgbClr val="000000"/>
                   </a:solidFill>
@@ -4418,7 +4423,7 @@
           <a:p>
             <a:fld id="{3720B717-5BFB-4461-AAC3-7047E9B80C4C}" type="datetimeFigureOut">
               <a:rPr lang="en-US" smtClean="0"/>
-              <a:t>5/16/2017</a:t>
+              <a:t>5/17/2017</a:t>
             </a:fld>
             <a:endParaRPr lang="en-US"/>
           </a:p>
@@ -4685,7 +4690,7 @@
           <a:p>
             <a:fld id="{3720B717-5BFB-4461-AAC3-7047E9B80C4C}" type="datetimeFigureOut">
               <a:rPr lang="en-US" smtClean="0"/>
-              <a:t>5/16/2017</a:t>
+              <a:t>5/17/2017</a:t>
             </a:fld>
             <a:endParaRPr lang="en-US"/>
           </a:p>
@@ -4881,7 +4886,7 @@
           <a:p>
             <a:fld id="{3720B717-5BFB-4461-AAC3-7047E9B80C4C}" type="datetimeFigureOut">
               <a:rPr lang="en-US" smtClean="0"/>
-              <a:t>5/16/2017</a:t>
+              <a:t>5/17/2017</a:t>
             </a:fld>
             <a:endParaRPr lang="en-US"/>
           </a:p>
@@ -5144,7 +5149,7 @@
           <a:p>
             <a:fld id="{3720B717-5BFB-4461-AAC3-7047E9B80C4C}" type="datetimeFigureOut">
               <a:rPr lang="en-US" smtClean="0"/>
-              <a:t>5/16/2017</a:t>
+              <a:t>5/17/2017</a:t>
             </a:fld>
             <a:endParaRPr lang="en-US"/>
           </a:p>
@@ -5578,7 +5583,7 @@
           <a:p>
             <a:fld id="{3720B717-5BFB-4461-AAC3-7047E9B80C4C}" type="datetimeFigureOut">
               <a:rPr lang="en-US" smtClean="0"/>
-              <a:t>5/16/2017</a:t>
+              <a:t>5/17/2017</a:t>
             </a:fld>
             <a:endParaRPr lang="en-US"/>
           </a:p>
@@ -6124,7 +6129,7 @@
           <a:p>
             <a:fld id="{3720B717-5BFB-4461-AAC3-7047E9B80C4C}" type="datetimeFigureOut">
               <a:rPr lang="en-US" smtClean="0"/>
-              <a:t>5/16/2017</a:t>
+              <a:t>5/17/2017</a:t>
             </a:fld>
             <a:endParaRPr lang="en-US"/>
           </a:p>
@@ -6844,7 +6849,7 @@
           <a:p>
             <a:fld id="{3720B717-5BFB-4461-AAC3-7047E9B80C4C}" type="datetimeFigureOut">
               <a:rPr lang="en-US" smtClean="0"/>
-              <a:t>5/16/2017</a:t>
+              <a:t>5/17/2017</a:t>
             </a:fld>
             <a:endParaRPr lang="en-US"/>
           </a:p>
@@ -7014,7 +7019,7 @@
           <a:p>
             <a:fld id="{3720B717-5BFB-4461-AAC3-7047E9B80C4C}" type="datetimeFigureOut">
               <a:rPr lang="en-US" smtClean="0"/>
-              <a:t>5/16/2017</a:t>
+              <a:t>5/17/2017</a:t>
             </a:fld>
             <a:endParaRPr lang="en-US"/>
           </a:p>
@@ -7194,7 +7199,7 @@
           <a:p>
             <a:fld id="{3720B717-5BFB-4461-AAC3-7047E9B80C4C}" type="datetimeFigureOut">
               <a:rPr lang="en-US" smtClean="0"/>
-              <a:t>5/16/2017</a:t>
+              <a:t>5/17/2017</a:t>
             </a:fld>
             <a:endParaRPr lang="en-US"/>
           </a:p>
@@ -7364,7 +7369,7 @@
           <a:p>
             <a:fld id="{3720B717-5BFB-4461-AAC3-7047E9B80C4C}" type="datetimeFigureOut">
               <a:rPr lang="en-US" smtClean="0"/>
-              <a:t>5/16/2017</a:t>
+              <a:t>5/17/2017</a:t>
             </a:fld>
             <a:endParaRPr lang="en-US"/>
           </a:p>
@@ -7614,7 +7619,7 @@
           <a:p>
             <a:fld id="{3720B717-5BFB-4461-AAC3-7047E9B80C4C}" type="datetimeFigureOut">
               <a:rPr lang="en-US" smtClean="0"/>
-              <a:t>5/16/2017</a:t>
+              <a:t>5/17/2017</a:t>
             </a:fld>
             <a:endParaRPr lang="en-US"/>
           </a:p>
@@ -7846,7 +7851,7 @@
           <a:p>
             <a:fld id="{3720B717-5BFB-4461-AAC3-7047E9B80C4C}" type="datetimeFigureOut">
               <a:rPr lang="en-US" smtClean="0"/>
-              <a:t>5/16/2017</a:t>
+              <a:t>5/17/2017</a:t>
             </a:fld>
             <a:endParaRPr lang="en-US"/>
           </a:p>
@@ -8227,7 +8232,7 @@
           <a:p>
             <a:fld id="{3720B717-5BFB-4461-AAC3-7047E9B80C4C}" type="datetimeFigureOut">
               <a:rPr lang="en-US" smtClean="0"/>
-              <a:t>5/16/2017</a:t>
+              <a:t>5/17/2017</a:t>
             </a:fld>
             <a:endParaRPr lang="en-US"/>
           </a:p>
@@ -8345,7 +8350,7 @@
           <a:p>
             <a:fld id="{3720B717-5BFB-4461-AAC3-7047E9B80C4C}" type="datetimeFigureOut">
               <a:rPr lang="en-US" smtClean="0"/>
-              <a:t>5/16/2017</a:t>
+              <a:t>5/17/2017</a:t>
             </a:fld>
             <a:endParaRPr lang="en-US"/>
           </a:p>
@@ -8440,7 +8445,7 @@
           <a:p>
             <a:fld id="{3720B717-5BFB-4461-AAC3-7047E9B80C4C}" type="datetimeFigureOut">
               <a:rPr lang="en-US" smtClean="0"/>
-              <a:t>5/16/2017</a:t>
+              <a:t>5/17/2017</a:t>
             </a:fld>
             <a:endParaRPr lang="en-US"/>
           </a:p>
@@ -8689,7 +8694,7 @@
           <a:p>
             <a:fld id="{3720B717-5BFB-4461-AAC3-7047E9B80C4C}" type="datetimeFigureOut">
               <a:rPr lang="en-US" smtClean="0"/>
-              <a:t>5/16/2017</a:t>
+              <a:t>5/17/2017</a:t>
             </a:fld>
             <a:endParaRPr lang="en-US"/>
           </a:p>
@@ -8969,7 +8974,7 @@
           <a:p>
             <a:fld id="{3720B717-5BFB-4461-AAC3-7047E9B80C4C}" type="datetimeFigureOut">
               <a:rPr lang="en-US" smtClean="0"/>
-              <a:t>5/16/2017</a:t>
+              <a:t>5/17/2017</a:t>
             </a:fld>
             <a:endParaRPr lang="en-US"/>
           </a:p>
@@ -9085,7 +9090,7 @@
           <a:noFill/>
           <a:extLst>
             <a:ext uri="{909E8E84-426E-40dd-AFC4-6F175D3DCCD1}">
-              <a14:hiddenFill xmlns:a14="http://schemas.microsoft.com/office/drawing/2010/main" xmlns="">
+              <a14:hiddenFill xmlns="" xmlns:a14="http://schemas.microsoft.com/office/drawing/2010/main">
                 <a:solidFill>
                   <a:srgbClr val="FFFFFF"/>
                 </a:solidFill>
@@ -9159,7 +9164,7 @@
               </a:ln>
               <a:extLst>
                 <a:ext uri="{91240B29-F687-4f45-9708-019B960494DF}">
-                  <a14:hiddenLine xmlns:a14="http://schemas.microsoft.com/office/drawing/2010/main" xmlns="" w="9525">
+                  <a14:hiddenLine xmlns="" xmlns:a14="http://schemas.microsoft.com/office/drawing/2010/main" w="9525">
                     <a:solidFill>
                       <a:srgbClr val="000000"/>
                     </a:solidFill>
@@ -9249,7 +9254,7 @@
               </a:ln>
               <a:extLst>
                 <a:ext uri="{91240B29-F687-4f45-9708-019B960494DF}">
-                  <a14:hiddenLine xmlns:a14="http://schemas.microsoft.com/office/drawing/2010/main" xmlns="" w="9525">
+                  <a14:hiddenLine xmlns="" xmlns:a14="http://schemas.microsoft.com/office/drawing/2010/main" w="9525">
                     <a:solidFill>
                       <a:srgbClr val="000000"/>
                     </a:solidFill>
@@ -9339,7 +9344,7 @@
               </a:ln>
               <a:extLst>
                 <a:ext uri="{91240B29-F687-4f45-9708-019B960494DF}">
-                  <a14:hiddenLine xmlns:a14="http://schemas.microsoft.com/office/drawing/2010/main" xmlns="" w="9525">
+                  <a14:hiddenLine xmlns="" xmlns:a14="http://schemas.microsoft.com/office/drawing/2010/main" w="9525">
                     <a:solidFill>
                       <a:srgbClr val="000000"/>
                     </a:solidFill>
@@ -9401,7 +9406,7 @@
               </a:ln>
               <a:extLst>
                 <a:ext uri="{91240B29-F687-4f45-9708-019B960494DF}">
-                  <a14:hiddenLine xmlns:a14="http://schemas.microsoft.com/office/drawing/2010/main" xmlns="" w="9525">
+                  <a14:hiddenLine xmlns="" xmlns:a14="http://schemas.microsoft.com/office/drawing/2010/main" w="9525">
                     <a:solidFill>
                       <a:srgbClr val="000000"/>
                     </a:solidFill>
@@ -9491,7 +9496,7 @@
               </a:ln>
               <a:extLst>
                 <a:ext uri="{91240B29-F687-4f45-9708-019B960494DF}">
-                  <a14:hiddenLine xmlns:a14="http://schemas.microsoft.com/office/drawing/2010/main" xmlns="" w="9525">
+                  <a14:hiddenLine xmlns="" xmlns:a14="http://schemas.microsoft.com/office/drawing/2010/main" w="9525">
                     <a:solidFill>
                       <a:srgbClr val="000000"/>
                     </a:solidFill>
@@ -9553,7 +9558,7 @@
               </a:ln>
               <a:extLst>
                 <a:ext uri="{91240B29-F687-4f45-9708-019B960494DF}">
-                  <a14:hiddenLine xmlns:a14="http://schemas.microsoft.com/office/drawing/2010/main" xmlns="" w="9525">
+                  <a14:hiddenLine xmlns="" xmlns:a14="http://schemas.microsoft.com/office/drawing/2010/main" w="9525">
                     <a:solidFill>
                       <a:srgbClr val="000000"/>
                     </a:solidFill>
@@ -9615,7 +9620,7 @@
               </a:ln>
               <a:extLst>
                 <a:ext uri="{91240B29-F687-4f45-9708-019B960494DF}">
-                  <a14:hiddenLine xmlns:a14="http://schemas.microsoft.com/office/drawing/2010/main" xmlns="" w="9525">
+                  <a14:hiddenLine xmlns="" xmlns:a14="http://schemas.microsoft.com/office/drawing/2010/main" w="9525">
                     <a:solidFill>
                       <a:srgbClr val="000000"/>
                     </a:solidFill>
@@ -9705,7 +9710,7 @@
               </a:ln>
               <a:extLst>
                 <a:ext uri="{91240B29-F687-4f45-9708-019B960494DF}">
-                  <a14:hiddenLine xmlns:a14="http://schemas.microsoft.com/office/drawing/2010/main" xmlns="" w="9525">
+                  <a14:hiddenLine xmlns="" xmlns:a14="http://schemas.microsoft.com/office/drawing/2010/main" w="9525">
                     <a:solidFill>
                       <a:srgbClr val="000000"/>
                     </a:solidFill>
@@ -9795,7 +9800,7 @@
               </a:ln>
               <a:extLst>
                 <a:ext uri="{91240B29-F687-4f45-9708-019B960494DF}">
-                  <a14:hiddenLine xmlns:a14="http://schemas.microsoft.com/office/drawing/2010/main" xmlns="" w="9525">
+                  <a14:hiddenLine xmlns="" xmlns:a14="http://schemas.microsoft.com/office/drawing/2010/main" w="9525">
                     <a:solidFill>
                       <a:srgbClr val="000000"/>
                     </a:solidFill>
@@ -9857,7 +9862,7 @@
               </a:ln>
               <a:extLst>
                 <a:ext uri="{91240B29-F687-4f45-9708-019B960494DF}">
-                  <a14:hiddenLine xmlns:a14="http://schemas.microsoft.com/office/drawing/2010/main" xmlns="" w="9525">
+                  <a14:hiddenLine xmlns="" xmlns:a14="http://schemas.microsoft.com/office/drawing/2010/main" w="9525">
                     <a:solidFill>
                       <a:srgbClr val="000000"/>
                     </a:solidFill>
@@ -9967,7 +9972,7 @@
               </a:ln>
               <a:extLst>
                 <a:ext uri="{91240B29-F687-4f45-9708-019B960494DF}">
-                  <a14:hiddenLine xmlns:a14="http://schemas.microsoft.com/office/drawing/2010/main" xmlns="" w="9525">
+                  <a14:hiddenLine xmlns="" xmlns:a14="http://schemas.microsoft.com/office/drawing/2010/main" w="9525">
                     <a:solidFill>
                       <a:srgbClr val="000000"/>
                     </a:solidFill>
@@ -10051,7 +10056,7 @@
               </a:ln>
               <a:extLst>
                 <a:ext uri="{91240B29-F687-4f45-9708-019B960494DF}">
-                  <a14:hiddenLine xmlns:a14="http://schemas.microsoft.com/office/drawing/2010/main" xmlns="" w="9525">
+                  <a14:hiddenLine xmlns="" xmlns:a14="http://schemas.microsoft.com/office/drawing/2010/main" w="9525">
                     <a:solidFill>
                       <a:srgbClr val="000000"/>
                     </a:solidFill>
@@ -10113,7 +10118,7 @@
               </a:ln>
               <a:extLst>
                 <a:ext uri="{91240B29-F687-4f45-9708-019B960494DF}">
-                  <a14:hiddenLine xmlns:a14="http://schemas.microsoft.com/office/drawing/2010/main" xmlns="" w="9525">
+                  <a14:hiddenLine xmlns="" xmlns:a14="http://schemas.microsoft.com/office/drawing/2010/main" w="9525">
                     <a:solidFill>
                       <a:srgbClr val="000000"/>
                     </a:solidFill>
@@ -10175,7 +10180,7 @@
               </a:ln>
               <a:extLst>
                 <a:ext uri="{91240B29-F687-4f45-9708-019B960494DF}">
-                  <a14:hiddenLine xmlns:a14="http://schemas.microsoft.com/office/drawing/2010/main" xmlns="" w="9525">
+                  <a14:hiddenLine xmlns="" xmlns:a14="http://schemas.microsoft.com/office/drawing/2010/main" w="9525">
                     <a:solidFill>
                       <a:srgbClr val="000000"/>
                     </a:solidFill>
@@ -10265,7 +10270,7 @@
               </a:ln>
               <a:extLst>
                 <a:ext uri="{91240B29-F687-4f45-9708-019B960494DF}">
-                  <a14:hiddenLine xmlns:a14="http://schemas.microsoft.com/office/drawing/2010/main" xmlns="" w="9525">
+                  <a14:hiddenLine xmlns="" xmlns:a14="http://schemas.microsoft.com/office/drawing/2010/main" w="9525">
                     <a:solidFill>
                       <a:srgbClr val="000000"/>
                     </a:solidFill>
@@ -10299,7 +10304,7 @@
               </a:ln>
               <a:extLst>
                 <a:ext uri="{91240B29-F687-4f45-9708-019B960494DF}">
-                  <a14:hiddenLine xmlns:a14="http://schemas.microsoft.com/office/drawing/2010/main" xmlns="" w="9525">
+                  <a14:hiddenLine xmlns="" xmlns:a14="http://schemas.microsoft.com/office/drawing/2010/main" w="9525">
                     <a:solidFill>
                       <a:srgbClr val="000000"/>
                     </a:solidFill>
@@ -10364,7 +10369,7 @@
               </a:ln>
               <a:extLst>
                 <a:ext uri="{91240B29-F687-4f45-9708-019B960494DF}">
-                  <a14:hiddenLine xmlns:a14="http://schemas.microsoft.com/office/drawing/2010/main" xmlns="" w="9525">
+                  <a14:hiddenLine xmlns="" xmlns:a14="http://schemas.microsoft.com/office/drawing/2010/main" w="9525">
                     <a:solidFill>
                       <a:srgbClr val="000000"/>
                     </a:solidFill>
@@ -10454,7 +10459,7 @@
               </a:ln>
               <a:extLst>
                 <a:ext uri="{91240B29-F687-4f45-9708-019B960494DF}">
-                  <a14:hiddenLine xmlns:a14="http://schemas.microsoft.com/office/drawing/2010/main" xmlns="" w="9525">
+                  <a14:hiddenLine xmlns="" xmlns:a14="http://schemas.microsoft.com/office/drawing/2010/main" w="9525">
                     <a:solidFill>
                       <a:srgbClr val="000000"/>
                     </a:solidFill>
@@ -10516,7 +10521,7 @@
               </a:ln>
               <a:extLst>
                 <a:ext uri="{91240B29-F687-4f45-9708-019B960494DF}">
-                  <a14:hiddenLine xmlns:a14="http://schemas.microsoft.com/office/drawing/2010/main" xmlns="" w="9525">
+                  <a14:hiddenLine xmlns="" xmlns:a14="http://schemas.microsoft.com/office/drawing/2010/main" w="9525">
                     <a:solidFill>
                       <a:srgbClr val="000000"/>
                     </a:solidFill>
@@ -10606,7 +10611,7 @@
               </a:ln>
               <a:extLst>
                 <a:ext uri="{91240B29-F687-4f45-9708-019B960494DF}">
-                  <a14:hiddenLine xmlns:a14="http://schemas.microsoft.com/office/drawing/2010/main" xmlns="" w="9525">
+                  <a14:hiddenLine xmlns="" xmlns:a14="http://schemas.microsoft.com/office/drawing/2010/main" w="9525">
                     <a:solidFill>
                       <a:srgbClr val="000000"/>
                     </a:solidFill>
@@ -10671,7 +10676,7 @@
               </a:ln>
               <a:extLst>
                 <a:ext uri="{91240B29-F687-4f45-9708-019B960494DF}">
-                  <a14:hiddenLine xmlns:a14="http://schemas.microsoft.com/office/drawing/2010/main" xmlns="" w="9525">
+                  <a14:hiddenLine xmlns="" xmlns:a14="http://schemas.microsoft.com/office/drawing/2010/main" w="9525">
                     <a:solidFill>
                       <a:srgbClr val="000000"/>
                     </a:solidFill>
@@ -10733,7 +10738,7 @@
               </a:ln>
               <a:extLst>
                 <a:ext uri="{91240B29-F687-4f45-9708-019B960494DF}">
-                  <a14:hiddenLine xmlns:a14="http://schemas.microsoft.com/office/drawing/2010/main" xmlns="" w="9525">
+                  <a14:hiddenLine xmlns="" xmlns:a14="http://schemas.microsoft.com/office/drawing/2010/main" w="9525">
                     <a:solidFill>
                       <a:srgbClr val="000000"/>
                     </a:solidFill>
@@ -10823,7 +10828,7 @@
               </a:ln>
               <a:extLst>
                 <a:ext uri="{91240B29-F687-4f45-9708-019B960494DF}">
-                  <a14:hiddenLine xmlns:a14="http://schemas.microsoft.com/office/drawing/2010/main" xmlns="" w="9525">
+                  <a14:hiddenLine xmlns="" xmlns:a14="http://schemas.microsoft.com/office/drawing/2010/main" w="9525">
                     <a:solidFill>
                       <a:srgbClr val="000000"/>
                     </a:solidFill>
@@ -10913,7 +10918,7 @@
               </a:ln>
               <a:extLst>
                 <a:ext uri="{91240B29-F687-4f45-9708-019B960494DF}">
-                  <a14:hiddenLine xmlns:a14="http://schemas.microsoft.com/office/drawing/2010/main" xmlns="" w="9525">
+                  <a14:hiddenLine xmlns="" xmlns:a14="http://schemas.microsoft.com/office/drawing/2010/main" w="9525">
                     <a:solidFill>
                       <a:srgbClr val="000000"/>
                     </a:solidFill>
@@ -10978,7 +10983,7 @@
               </a:ln>
               <a:extLst>
                 <a:ext uri="{91240B29-F687-4f45-9708-019B960494DF}">
-                  <a14:hiddenLine xmlns:a14="http://schemas.microsoft.com/office/drawing/2010/main" xmlns="" w="9525">
+                  <a14:hiddenLine xmlns="" xmlns:a14="http://schemas.microsoft.com/office/drawing/2010/main" w="9525">
                     <a:solidFill>
                       <a:srgbClr val="000000"/>
                     </a:solidFill>
@@ -11098,7 +11103,7 @@
               </a:ln>
               <a:extLst>
                 <a:ext uri="{91240B29-F687-4f45-9708-019B960494DF}">
-                  <a14:hiddenLine xmlns:a14="http://schemas.microsoft.com/office/drawing/2010/main" xmlns="" w="9525">
+                  <a14:hiddenLine xmlns="" xmlns:a14="http://schemas.microsoft.com/office/drawing/2010/main" w="9525">
                     <a:solidFill>
                       <a:srgbClr val="000000"/>
                     </a:solidFill>
@@ -11196,7 +11201,7 @@
               </a:ln>
               <a:extLst>
                 <a:ext uri="{91240B29-F687-4f45-9708-019B960494DF}">
-                  <a14:hiddenLine xmlns:a14="http://schemas.microsoft.com/office/drawing/2010/main" xmlns="" w="9525">
+                  <a14:hiddenLine xmlns="" xmlns:a14="http://schemas.microsoft.com/office/drawing/2010/main" w="9525">
                     <a:solidFill>
                       <a:srgbClr val="000000"/>
                     </a:solidFill>
@@ -11311,7 +11316,7 @@
               </a:ln>
               <a:extLst>
                 <a:ext uri="{91240B29-F687-4f45-9708-019B960494DF}">
-                  <a14:hiddenLine xmlns:a14="http://schemas.microsoft.com/office/drawing/2010/main" xmlns="" w="9525">
+                  <a14:hiddenLine xmlns="" xmlns:a14="http://schemas.microsoft.com/office/drawing/2010/main" w="9525">
                     <a:solidFill>
                       <a:srgbClr val="000000"/>
                     </a:solidFill>
@@ -11401,7 +11406,7 @@
               </a:ln>
               <a:extLst>
                 <a:ext uri="{91240B29-F687-4f45-9708-019B960494DF}">
-                  <a14:hiddenLine xmlns:a14="http://schemas.microsoft.com/office/drawing/2010/main" xmlns="" w="9525">
+                  <a14:hiddenLine xmlns="" xmlns:a14="http://schemas.microsoft.com/office/drawing/2010/main" w="9525">
                     <a:solidFill>
                       <a:srgbClr val="000000"/>
                     </a:solidFill>
@@ -11466,7 +11471,7 @@
               </a:ln>
               <a:extLst>
                 <a:ext uri="{91240B29-F687-4f45-9708-019B960494DF}">
-                  <a14:hiddenLine xmlns:a14="http://schemas.microsoft.com/office/drawing/2010/main" xmlns="" w="9525">
+                  <a14:hiddenLine xmlns="" xmlns:a14="http://schemas.microsoft.com/office/drawing/2010/main" w="9525">
                     <a:solidFill>
                       <a:srgbClr val="000000"/>
                     </a:solidFill>
@@ -11556,7 +11561,7 @@
               </a:ln>
               <a:extLst>
                 <a:ext uri="{91240B29-F687-4f45-9708-019B960494DF}">
-                  <a14:hiddenLine xmlns:a14="http://schemas.microsoft.com/office/drawing/2010/main" xmlns="" w="9525">
+                  <a14:hiddenLine xmlns="" xmlns:a14="http://schemas.microsoft.com/office/drawing/2010/main" w="9525">
                     <a:solidFill>
                       <a:srgbClr val="000000"/>
                     </a:solidFill>
@@ -11624,7 +11629,7 @@
               </a:ln>
               <a:extLst>
                 <a:ext uri="{91240B29-F687-4f45-9708-019B960494DF}">
-                  <a14:hiddenLine xmlns:a14="http://schemas.microsoft.com/office/drawing/2010/main" xmlns="" w="9525">
+                  <a14:hiddenLine xmlns="" xmlns:a14="http://schemas.microsoft.com/office/drawing/2010/main" w="9525">
                     <a:solidFill>
                       <a:srgbClr val="000000"/>
                     </a:solidFill>
@@ -11714,7 +11719,7 @@
               </a:ln>
               <a:extLst>
                 <a:ext uri="{91240B29-F687-4f45-9708-019B960494DF}">
-                  <a14:hiddenLine xmlns:a14="http://schemas.microsoft.com/office/drawing/2010/main" xmlns="" w="9525">
+                  <a14:hiddenLine xmlns="" xmlns:a14="http://schemas.microsoft.com/office/drawing/2010/main" w="9525">
                     <a:solidFill>
                       <a:srgbClr val="000000"/>
                     </a:solidFill>
@@ -11782,7 +11787,7 @@
               </a:ln>
               <a:extLst>
                 <a:ext uri="{91240B29-F687-4f45-9708-019B960494DF}">
-                  <a14:hiddenLine xmlns:a14="http://schemas.microsoft.com/office/drawing/2010/main" xmlns="" w="9525">
+                  <a14:hiddenLine xmlns="" xmlns:a14="http://schemas.microsoft.com/office/drawing/2010/main" w="9525">
                     <a:solidFill>
                       <a:srgbClr val="000000"/>
                     </a:solidFill>
@@ -11872,7 +11877,7 @@
               </a:ln>
               <a:extLst>
                 <a:ext uri="{91240B29-F687-4f45-9708-019B960494DF}">
-                  <a14:hiddenLine xmlns:a14="http://schemas.microsoft.com/office/drawing/2010/main" xmlns="" w="9525">
+                  <a14:hiddenLine xmlns="" xmlns:a14="http://schemas.microsoft.com/office/drawing/2010/main" w="9525">
                     <a:solidFill>
                       <a:srgbClr val="000000"/>
                     </a:solidFill>
@@ -11906,7 +11911,7 @@
               </a:ln>
               <a:extLst>
                 <a:ext uri="{91240B29-F687-4f45-9708-019B960494DF}">
-                  <a14:hiddenLine xmlns:a14="http://schemas.microsoft.com/office/drawing/2010/main" xmlns="" w="9525">
+                  <a14:hiddenLine xmlns="" xmlns:a14="http://schemas.microsoft.com/office/drawing/2010/main" w="9525">
                     <a:solidFill>
                       <a:srgbClr val="000000"/>
                     </a:solidFill>
@@ -12046,7 +12051,7 @@
           <a:p>
             <a:fld id="{3720B717-5BFB-4461-AAC3-7047E9B80C4C}" type="datetimeFigureOut">
               <a:rPr lang="en-US" smtClean="0"/>
-              <a:t>5/16/2017</a:t>
+              <a:t>5/17/2017</a:t>
             </a:fld>
             <a:endParaRPr lang="en-US"/>
           </a:p>
@@ -12579,6 +12584,13 @@
   <p:clrMapOvr>
     <a:masterClrMapping/>
   </p:clrMapOvr>
+  <p:timing>
+    <p:tnLst>
+      <p:par>
+        <p:cTn id="1" dur="indefinite" restart="never" nodeType="tmRoot"/>
+      </p:par>
+    </p:tnLst>
+  </p:timing>
 </p:sld>
 </file>
 
@@ -12736,7 +12748,7 @@
         </p:nvGraphicFramePr>
         <p:xfrm>
           <a:off x="3640943" y="712062"/>
-          <a:ext cx="5937250" cy="1471295"/>
+          <a:ext cx="5937250" cy="1542288"/>
         </p:xfrm>
         <a:graphic>
           <a:graphicData uri="http://schemas.openxmlformats.org/drawingml/2006/table">
@@ -13342,7 +13354,7 @@
         </p:nvGraphicFramePr>
         <p:xfrm>
           <a:off x="3640943" y="2811319"/>
-          <a:ext cx="5937250" cy="1471295"/>
+          <a:ext cx="5937250" cy="1542288"/>
         </p:xfrm>
         <a:graphic>
           <a:graphicData uri="http://schemas.openxmlformats.org/drawingml/2006/table">
@@ -13954,6 +13966,13 @@
   <p:clrMapOvr>
     <a:masterClrMapping/>
   </p:clrMapOvr>
+  <p:timing>
+    <p:tnLst>
+      <p:par>
+        <p:cTn id="1" dur="indefinite" restart="never" nodeType="tmRoot"/>
+      </p:par>
+    </p:tnLst>
+  </p:timing>
 </p:sld>
 </file>
 
@@ -14118,14 +14137,14 @@
           <p:nvPr>
             <p:extLst>
               <p:ext uri="{D42A27DB-BD31-4B8C-83A1-F6EECF244321}">
-                <p14:modId xmlns:p14="http://schemas.microsoft.com/office/powerpoint/2010/main" val="4026416847"/>
+                <p14:modId xmlns:p14="http://schemas.microsoft.com/office/powerpoint/2010/main" val="1897762141"/>
               </p:ext>
             </p:extLst>
           </p:nvPr>
         </p:nvGraphicFramePr>
         <p:xfrm>
           <a:off x="3331850" y="667582"/>
-          <a:ext cx="5937250" cy="2048002"/>
+          <a:ext cx="5937250" cy="2109089"/>
         </p:xfrm>
         <a:graphic>
           <a:graphicData uri="http://schemas.openxmlformats.org/drawingml/2006/table">
@@ -14155,12 +14174,24 @@
                         </a:spcAft>
                       </a:pPr>
                       <a:r>
-                        <a:rPr lang="en-US" sz="1100">
-                          <a:effectLst/>
-                        </a:rPr>
-                        <a:t>Nama UseCase</a:t>
-                      </a:r>
-                      <a:endParaRPr lang="en-US" sz="1100">
+                        <a:rPr lang="en-US" sz="1100" dirty="0" err="1">
+                          <a:effectLst/>
+                        </a:rPr>
+                        <a:t>Nama</a:t>
+                      </a:r>
+                      <a:r>
+                        <a:rPr lang="en-US" sz="1100" dirty="0">
+                          <a:effectLst/>
+                        </a:rPr>
+                        <a:t> </a:t>
+                      </a:r>
+                      <a:r>
+                        <a:rPr lang="en-US" sz="1100" dirty="0" err="1">
+                          <a:effectLst/>
+                        </a:rPr>
+                        <a:t>UseCase</a:t>
+                      </a:r>
+                      <a:endParaRPr lang="en-US" sz="1100" dirty="0">
                         <a:effectLst/>
                         <a:latin typeface="Calibri" panose="020F0502020204030204" pitchFamily="34" charset="0"/>
                         <a:ea typeface="Calibri" panose="020F0502020204030204" pitchFamily="34" charset="0"/>
@@ -14508,10 +14539,94 @@
                         </a:spcAft>
                       </a:pPr>
                       <a:r>
-                        <a:rPr lang="en-US" sz="1100">
-                          <a:effectLst/>
-                        </a:rPr>
-                        <a:t>1. Jika Admin memilih tambah maka galeri akan ditambahkan </a:t>
+                        <a:rPr lang="en-US" sz="1100" dirty="0">
+                          <a:effectLst/>
+                        </a:rPr>
+                        <a:t>1. </a:t>
+                      </a:r>
+                      <a:r>
+                        <a:rPr lang="en-US" sz="1100" dirty="0" err="1">
+                          <a:effectLst/>
+                        </a:rPr>
+                        <a:t>Jika</a:t>
+                      </a:r>
+                      <a:r>
+                        <a:rPr lang="en-US" sz="1100" dirty="0">
+                          <a:effectLst/>
+                        </a:rPr>
+                        <a:t> Admin </a:t>
+                      </a:r>
+                      <a:r>
+                        <a:rPr lang="en-US" sz="1100" dirty="0" err="1">
+                          <a:effectLst/>
+                        </a:rPr>
+                        <a:t>memilih</a:t>
+                      </a:r>
+                      <a:r>
+                        <a:rPr lang="en-US" sz="1100" dirty="0">
+                          <a:effectLst/>
+                        </a:rPr>
+                        <a:t> </a:t>
+                      </a:r>
+                      <a:r>
+                        <a:rPr lang="en-US" sz="1100" dirty="0" err="1">
+                          <a:effectLst/>
+                        </a:rPr>
+                        <a:t>tambah</a:t>
+                      </a:r>
+                      <a:r>
+                        <a:rPr lang="en-US" sz="1100" dirty="0">
+                          <a:effectLst/>
+                        </a:rPr>
+                        <a:t> </a:t>
+                      </a:r>
+                      <a:r>
+                        <a:rPr lang="en-US" sz="1100" dirty="0" err="1">
+                          <a:effectLst/>
+                        </a:rPr>
+                        <a:t>maka</a:t>
+                      </a:r>
+                      <a:r>
+                        <a:rPr lang="en-US" sz="1100" dirty="0">
+                          <a:effectLst/>
+                        </a:rPr>
+                        <a:t> </a:t>
+                      </a:r>
+                      <a:r>
+                        <a:rPr lang="en-US" sz="1100" dirty="0" err="1">
+                          <a:effectLst/>
+                        </a:rPr>
+                        <a:t>galeri</a:t>
+                      </a:r>
+                      <a:r>
+                        <a:rPr lang="en-US" sz="1100" dirty="0">
+                          <a:effectLst/>
+                        </a:rPr>
+                        <a:t> </a:t>
+                      </a:r>
+                      <a:r>
+                        <a:rPr lang="en-US" sz="1100" dirty="0" err="1">
+                          <a:effectLst/>
+                        </a:rPr>
+                        <a:t>akan</a:t>
+                      </a:r>
+                      <a:r>
+                        <a:rPr lang="en-US" sz="1100" dirty="0">
+                          <a:effectLst/>
+                        </a:rPr>
+                        <a:t> </a:t>
+                      </a:r>
+                      <a:r>
+                        <a:rPr lang="en-US" sz="1100" dirty="0" err="1">
+                          <a:effectLst/>
+                        </a:rPr>
+                        <a:t>ditambahkan</a:t>
+                      </a:r>
+                      <a:r>
+                        <a:rPr lang="en-US" sz="1100" dirty="0">
+                          <a:effectLst/>
+                        </a:rPr>
+                        <a:t> </a:t>
                       </a:r>
                     </a:p>
                     <a:p>
@@ -14527,12 +14642,96 @@
                         </a:spcAft>
                       </a:pPr>
                       <a:r>
-                        <a:rPr lang="en-US" sz="1100">
-                          <a:effectLst/>
-                        </a:rPr>
-                        <a:t>2. Jika Admin memilih batal maka akan dikembalikan ke Menu Galeri</a:t>
-                      </a:r>
-                      <a:endParaRPr lang="en-US" sz="1100">
+                        <a:rPr lang="en-US" sz="1100" dirty="0">
+                          <a:effectLst/>
+                        </a:rPr>
+                        <a:t>2. </a:t>
+                      </a:r>
+                      <a:r>
+                        <a:rPr lang="en-US" sz="1100" dirty="0" err="1">
+                          <a:effectLst/>
+                        </a:rPr>
+                        <a:t>Jika</a:t>
+                      </a:r>
+                      <a:r>
+                        <a:rPr lang="en-US" sz="1100" dirty="0">
+                          <a:effectLst/>
+                        </a:rPr>
+                        <a:t> Admin </a:t>
+                      </a:r>
+                      <a:r>
+                        <a:rPr lang="en-US" sz="1100" dirty="0" err="1">
+                          <a:effectLst/>
+                        </a:rPr>
+                        <a:t>memilih</a:t>
+                      </a:r>
+                      <a:r>
+                        <a:rPr lang="en-US" sz="1100" dirty="0">
+                          <a:effectLst/>
+                        </a:rPr>
+                        <a:t> </a:t>
+                      </a:r>
+                      <a:r>
+                        <a:rPr lang="en-US" sz="1100" dirty="0" smtClean="0">
+                          <a:effectLst/>
+                        </a:rPr>
+                        <a:t>reset </a:t>
+                      </a:r>
+                      <a:r>
+                        <a:rPr lang="en-US" sz="1100" dirty="0" err="1" smtClean="0">
+                          <a:effectLst/>
+                        </a:rPr>
+                        <a:t>maka</a:t>
+                      </a:r>
+                      <a:r>
+                        <a:rPr lang="en-US" sz="1100" dirty="0" smtClean="0">
+                          <a:effectLst/>
+                        </a:rPr>
+                        <a:t> </a:t>
+                      </a:r>
+                      <a:r>
+                        <a:rPr lang="en-US" sz="1100" dirty="0" err="1">
+                          <a:effectLst/>
+                        </a:rPr>
+                        <a:t>akan</a:t>
+                      </a:r>
+                      <a:r>
+                        <a:rPr lang="en-US" sz="1100" dirty="0">
+                          <a:effectLst/>
+                        </a:rPr>
+                        <a:t> </a:t>
+                      </a:r>
+                      <a:r>
+                        <a:rPr lang="en-US" sz="1100" dirty="0" err="1">
+                          <a:effectLst/>
+                        </a:rPr>
+                        <a:t>dikembalikan</a:t>
+                      </a:r>
+                      <a:r>
+                        <a:rPr lang="en-US" sz="1100" dirty="0">
+                          <a:effectLst/>
+                        </a:rPr>
+                        <a:t> </a:t>
+                      </a:r>
+                      <a:r>
+                        <a:rPr lang="en-US" sz="1100" dirty="0" err="1">
+                          <a:effectLst/>
+                        </a:rPr>
+                        <a:t>ke</a:t>
+                      </a:r>
+                      <a:r>
+                        <a:rPr lang="en-US" sz="1100" dirty="0">
+                          <a:effectLst/>
+                        </a:rPr>
+                        <a:t> Menu </a:t>
+                      </a:r>
+                      <a:r>
+                        <a:rPr lang="en-US" sz="1100" dirty="0" err="1">
+                          <a:effectLst/>
+                        </a:rPr>
+                        <a:t>Galeri</a:t>
+                      </a:r>
+                      <a:endParaRPr lang="en-US" sz="1100" dirty="0">
                         <a:effectLst/>
                         <a:latin typeface="Calibri" panose="020F0502020204030204" pitchFamily="34" charset="0"/>
                         <a:ea typeface="Calibri" panose="020F0502020204030204" pitchFamily="34" charset="0"/>
@@ -14593,12 +14792,36 @@
                         </a:spcAft>
                       </a:pPr>
                       <a:r>
-                        <a:rPr lang="en-US" sz="1100">
-                          <a:effectLst/>
-                        </a:rPr>
-                        <a:t>Kembali ke Menu Galeri</a:t>
-                      </a:r>
-                      <a:endParaRPr lang="en-US" sz="1100">
+                        <a:rPr lang="en-US" sz="1100" dirty="0" err="1">
+                          <a:effectLst/>
+                        </a:rPr>
+                        <a:t>Kembali</a:t>
+                      </a:r>
+                      <a:r>
+                        <a:rPr lang="en-US" sz="1100" dirty="0">
+                          <a:effectLst/>
+                        </a:rPr>
+                        <a:t> </a:t>
+                      </a:r>
+                      <a:r>
+                        <a:rPr lang="en-US" sz="1100" dirty="0" err="1">
+                          <a:effectLst/>
+                        </a:rPr>
+                        <a:t>ke</a:t>
+                      </a:r>
+                      <a:r>
+                        <a:rPr lang="en-US" sz="1100" dirty="0">
+                          <a:effectLst/>
+                        </a:rPr>
+                        <a:t> Menu </a:t>
+                      </a:r>
+                      <a:r>
+                        <a:rPr lang="en-US" sz="1100" dirty="0" err="1">
+                          <a:effectLst/>
+                        </a:rPr>
+                        <a:t>Galeri</a:t>
+                      </a:r>
+                      <a:endParaRPr lang="en-US" sz="1100" dirty="0">
                         <a:effectLst/>
                         <a:latin typeface="Calibri" panose="020F0502020204030204" pitchFamily="34" charset="0"/>
                         <a:ea typeface="Calibri" panose="020F0502020204030204" pitchFamily="34" charset="0"/>
@@ -14781,14 +15004,14 @@
           <p:nvPr>
             <p:extLst>
               <p:ext uri="{D42A27DB-BD31-4B8C-83A1-F6EECF244321}">
-                <p14:modId xmlns:p14="http://schemas.microsoft.com/office/powerpoint/2010/main" val="109362035"/>
+                <p14:modId xmlns:p14="http://schemas.microsoft.com/office/powerpoint/2010/main" val="13309457"/>
               </p:ext>
             </p:extLst>
           </p:nvPr>
         </p:nvGraphicFramePr>
         <p:xfrm>
           <a:off x="3422002" y="3217598"/>
-          <a:ext cx="5937250" cy="2048002"/>
+          <a:ext cx="5937250" cy="1927860"/>
         </p:xfrm>
         <a:graphic>
           <a:graphicData uri="http://schemas.openxmlformats.org/drawingml/2006/table">
@@ -14818,12 +15041,24 @@
                         </a:spcAft>
                       </a:pPr>
                       <a:r>
-                        <a:rPr lang="en-US" sz="1100">
-                          <a:effectLst/>
-                        </a:rPr>
-                        <a:t>Nama UseCase</a:t>
-                      </a:r>
-                      <a:endParaRPr lang="en-US" sz="1100">
+                        <a:rPr lang="en-US" sz="1100" dirty="0" err="1">
+                          <a:effectLst/>
+                        </a:rPr>
+                        <a:t>Nama</a:t>
+                      </a:r>
+                      <a:r>
+                        <a:rPr lang="en-US" sz="1100" dirty="0">
+                          <a:effectLst/>
+                        </a:rPr>
+                        <a:t> </a:t>
+                      </a:r>
+                      <a:r>
+                        <a:rPr lang="en-US" sz="1100" dirty="0" err="1">
+                          <a:effectLst/>
+                        </a:rPr>
+                        <a:t>UseCase</a:t>
+                      </a:r>
+                      <a:endParaRPr lang="en-US" sz="1100" dirty="0">
                         <a:effectLst/>
                         <a:latin typeface="Calibri" panose="020F0502020204030204" pitchFamily="34" charset="0"/>
                         <a:ea typeface="Calibri" panose="020F0502020204030204" pitchFamily="34" charset="0"/>
@@ -15170,32 +15405,7 @@
                           <a:spcPts val="0"/>
                         </a:spcAft>
                       </a:pPr>
-                      <a:r>
-                        <a:rPr lang="en-US" sz="1100">
-                          <a:effectLst/>
-                        </a:rPr>
-                        <a:t>1. Jika Admin memilih hapus maka galeri yang dipilih akan dihapus</a:t>
-                      </a:r>
-                    </a:p>
-                    <a:p>
-                      <a:pPr marL="0" marR="0">
-                        <a:lnSpc>
-                          <a:spcPct val="115000"/>
-                        </a:lnSpc>
-                        <a:spcBef>
-                          <a:spcPts val="0"/>
-                        </a:spcBef>
-                        <a:spcAft>
-                          <a:spcPts val="0"/>
-                        </a:spcAft>
-                      </a:pPr>
-                      <a:r>
-                        <a:rPr lang="en-US" sz="1100">
-                          <a:effectLst/>
-                        </a:rPr>
-                        <a:t>2. Jika Admin memilih batal maka akan dikembalikan ke Menu Galeri</a:t>
-                      </a:r>
-                      <a:endParaRPr lang="en-US" sz="1100">
+                      <a:endParaRPr lang="en-US" sz="1100" dirty="0">
                         <a:effectLst/>
                         <a:latin typeface="Calibri" panose="020F0502020204030204" pitchFamily="34" charset="0"/>
                         <a:ea typeface="Calibri" panose="020F0502020204030204" pitchFamily="34" charset="0"/>
@@ -15457,6 +15667,13 @@
   <p:clrMapOvr>
     <a:masterClrMapping/>
   </p:clrMapOvr>
+  <p:timing>
+    <p:tnLst>
+      <p:par>
+        <p:cTn id="1" dur="indefinite" restart="never" nodeType="tmRoot"/>
+      </p:par>
+    </p:tnLst>
+  </p:timing>
 </p:sld>
 </file>
 
@@ -15617,14 +15834,14 @@
           <p:nvPr>
             <p:extLst>
               <p:ext uri="{D42A27DB-BD31-4B8C-83A1-F6EECF244321}">
-                <p14:modId xmlns:p14="http://schemas.microsoft.com/office/powerpoint/2010/main" val="3024648512"/>
+                <p14:modId xmlns:p14="http://schemas.microsoft.com/office/powerpoint/2010/main" val="1924442108"/>
               </p:ext>
             </p:extLst>
           </p:nvPr>
         </p:nvGraphicFramePr>
         <p:xfrm>
           <a:off x="3512154" y="693339"/>
-          <a:ext cx="5937250" cy="2048002"/>
+          <a:ext cx="5937250" cy="2109089"/>
         </p:xfrm>
         <a:graphic>
           <a:graphicData uri="http://schemas.openxmlformats.org/drawingml/2006/table">
@@ -16019,11 +16236,98 @@
                         </a:spcAft>
                       </a:pPr>
                       <a:r>
-                        <a:rPr lang="en-US" sz="1100">
-                          <a:effectLst/>
-                        </a:rPr>
-                        <a:t>1. Jika Admin memilih edit maka galeri yang dipilih akan diedit</a:t>
-                      </a:r>
+                        <a:rPr lang="en-US" sz="1100" dirty="0">
+                          <a:effectLst/>
+                        </a:rPr>
+                        <a:t>1. </a:t>
+                      </a:r>
+                      <a:r>
+                        <a:rPr lang="en-US" sz="1100" dirty="0" err="1">
+                          <a:effectLst/>
+                        </a:rPr>
+                        <a:t>Jika</a:t>
+                      </a:r>
+                      <a:r>
+                        <a:rPr lang="en-US" sz="1100" dirty="0">
+                          <a:effectLst/>
+                        </a:rPr>
+                        <a:t> Admin </a:t>
+                      </a:r>
+                      <a:r>
+                        <a:rPr lang="en-US" sz="1100" dirty="0" err="1">
+                          <a:effectLst/>
+                        </a:rPr>
+                        <a:t>memilih</a:t>
+                      </a:r>
+                      <a:r>
+                        <a:rPr lang="en-US" sz="1100" dirty="0">
+                          <a:effectLst/>
+                        </a:rPr>
+                        <a:t> </a:t>
+                      </a:r>
+                      <a:r>
+                        <a:rPr lang="en-US" sz="1100" dirty="0" smtClean="0">
+                          <a:effectLst/>
+                        </a:rPr>
+                        <a:t>update </a:t>
+                      </a:r>
+                      <a:r>
+                        <a:rPr lang="en-US" sz="1100" dirty="0" err="1">
+                          <a:effectLst/>
+                        </a:rPr>
+                        <a:t>maka</a:t>
+                      </a:r>
+                      <a:r>
+                        <a:rPr lang="en-US" sz="1100" dirty="0">
+                          <a:effectLst/>
+                        </a:rPr>
+                        <a:t> </a:t>
+                      </a:r>
+                      <a:r>
+                        <a:rPr lang="en-US" sz="1100" dirty="0" err="1">
+                          <a:effectLst/>
+                        </a:rPr>
+                        <a:t>galeri</a:t>
+                      </a:r>
+                      <a:r>
+                        <a:rPr lang="en-US" sz="1100" dirty="0">
+                          <a:effectLst/>
+                        </a:rPr>
+                        <a:t> yang </a:t>
+                      </a:r>
+                      <a:r>
+                        <a:rPr lang="en-US" sz="1100" dirty="0" err="1">
+                          <a:effectLst/>
+                        </a:rPr>
+                        <a:t>dipilih</a:t>
+                      </a:r>
+                      <a:r>
+                        <a:rPr lang="en-US" sz="1100" dirty="0">
+                          <a:effectLst/>
+                        </a:rPr>
+                        <a:t> </a:t>
+                      </a:r>
+                      <a:r>
+                        <a:rPr lang="en-US" sz="1100" dirty="0" err="1">
+                          <a:effectLst/>
+                        </a:rPr>
+                        <a:t>akan</a:t>
+                      </a:r>
+                      <a:r>
+                        <a:rPr lang="en-US" sz="1100" dirty="0">
+                          <a:effectLst/>
+                        </a:rPr>
+                        <a:t> </a:t>
+                      </a:r>
+                      <a:r>
+                        <a:rPr lang="en-US" sz="1100" dirty="0" err="1">
+                          <a:effectLst/>
+                        </a:rPr>
+                        <a:t>diedit</a:t>
+                      </a:r>
+                      <a:endParaRPr lang="en-US" sz="1100" dirty="0">
+                        <a:effectLst/>
+                      </a:endParaRPr>
                     </a:p>
                     <a:p>
                       <a:pPr marL="0" marR="0">
@@ -16038,12 +16342,96 @@
                         </a:spcAft>
                       </a:pPr>
                       <a:r>
-                        <a:rPr lang="en-US" sz="1100">
-                          <a:effectLst/>
-                        </a:rPr>
-                        <a:t>2. Jika Admin memilih batal maka akan dikembalikan ke Menu Galeri</a:t>
-                      </a:r>
-                      <a:endParaRPr lang="en-US" sz="1100">
+                        <a:rPr lang="en-US" sz="1100" dirty="0">
+                          <a:effectLst/>
+                        </a:rPr>
+                        <a:t>2. </a:t>
+                      </a:r>
+                      <a:r>
+                        <a:rPr lang="en-US" sz="1100" dirty="0" err="1">
+                          <a:effectLst/>
+                        </a:rPr>
+                        <a:t>Jika</a:t>
+                      </a:r>
+                      <a:r>
+                        <a:rPr lang="en-US" sz="1100" dirty="0">
+                          <a:effectLst/>
+                        </a:rPr>
+                        <a:t> Admin </a:t>
+                      </a:r>
+                      <a:r>
+                        <a:rPr lang="en-US" sz="1100" dirty="0" err="1">
+                          <a:effectLst/>
+                        </a:rPr>
+                        <a:t>memilih</a:t>
+                      </a:r>
+                      <a:r>
+                        <a:rPr lang="en-US" sz="1100" dirty="0">
+                          <a:effectLst/>
+                        </a:rPr>
+                        <a:t> </a:t>
+                      </a:r>
+                      <a:r>
+                        <a:rPr lang="en-US" sz="1100" dirty="0" smtClean="0">
+                          <a:effectLst/>
+                        </a:rPr>
+                        <a:t>cancel </a:t>
+                      </a:r>
+                      <a:r>
+                        <a:rPr lang="en-US" sz="1100" dirty="0" err="1">
+                          <a:effectLst/>
+                        </a:rPr>
+                        <a:t>maka</a:t>
+                      </a:r>
+                      <a:r>
+                        <a:rPr lang="en-US" sz="1100" dirty="0">
+                          <a:effectLst/>
+                        </a:rPr>
+                        <a:t> </a:t>
+                      </a:r>
+                      <a:r>
+                        <a:rPr lang="en-US" sz="1100" dirty="0" err="1">
+                          <a:effectLst/>
+                        </a:rPr>
+                        <a:t>akan</a:t>
+                      </a:r>
+                      <a:r>
+                        <a:rPr lang="en-US" sz="1100" dirty="0">
+                          <a:effectLst/>
+                        </a:rPr>
+                        <a:t> </a:t>
+                      </a:r>
+                      <a:r>
+                        <a:rPr lang="en-US" sz="1100" dirty="0" err="1">
+                          <a:effectLst/>
+                        </a:rPr>
+                        <a:t>dikembalikan</a:t>
+                      </a:r>
+                      <a:r>
+                        <a:rPr lang="en-US" sz="1100" dirty="0">
+                          <a:effectLst/>
+                        </a:rPr>
+                        <a:t> </a:t>
+                      </a:r>
+                      <a:r>
+                        <a:rPr lang="en-US" sz="1100" dirty="0" err="1">
+                          <a:effectLst/>
+                        </a:rPr>
+                        <a:t>ke</a:t>
+                      </a:r>
+                      <a:r>
+                        <a:rPr lang="en-US" sz="1100" dirty="0">
+                          <a:effectLst/>
+                        </a:rPr>
+                        <a:t> Menu </a:t>
+                      </a:r>
+                      <a:r>
+                        <a:rPr lang="en-US" sz="1100" dirty="0" err="1">
+                          <a:effectLst/>
+                        </a:rPr>
+                        <a:t>Galeri</a:t>
+                      </a:r>
+                      <a:endParaRPr lang="en-US" sz="1100" dirty="0">
                         <a:effectLst/>
                         <a:latin typeface="Calibri" panose="020F0502020204030204" pitchFamily="34" charset="0"/>
                         <a:ea typeface="Calibri" panose="020F0502020204030204" pitchFamily="34" charset="0"/>
@@ -16104,12 +16492,36 @@
                         </a:spcAft>
                       </a:pPr>
                       <a:r>
-                        <a:rPr lang="en-US" sz="1100">
-                          <a:effectLst/>
-                        </a:rPr>
-                        <a:t>Kembali ke Menu Galeri</a:t>
-                      </a:r>
-                      <a:endParaRPr lang="en-US" sz="1100">
+                        <a:rPr lang="en-US" sz="1100" dirty="0" err="1">
+                          <a:effectLst/>
+                        </a:rPr>
+                        <a:t>Kembali</a:t>
+                      </a:r>
+                      <a:r>
+                        <a:rPr lang="en-US" sz="1100" dirty="0">
+                          <a:effectLst/>
+                        </a:rPr>
+                        <a:t> </a:t>
+                      </a:r>
+                      <a:r>
+                        <a:rPr lang="en-US" sz="1100" dirty="0" err="1">
+                          <a:effectLst/>
+                        </a:rPr>
+                        <a:t>ke</a:t>
+                      </a:r>
+                      <a:r>
+                        <a:rPr lang="en-US" sz="1100" dirty="0">
+                          <a:effectLst/>
+                        </a:rPr>
+                        <a:t> Menu </a:t>
+                      </a:r>
+                      <a:r>
+                        <a:rPr lang="en-US" sz="1100" dirty="0" err="1">
+                          <a:effectLst/>
+                        </a:rPr>
+                        <a:t>Galeri</a:t>
+                      </a:r>
+                      <a:endParaRPr lang="en-US" sz="1100" dirty="0">
                         <a:effectLst/>
                         <a:latin typeface="Calibri" panose="020F0502020204030204" pitchFamily="34" charset="0"/>
                         <a:ea typeface="Calibri" panose="020F0502020204030204" pitchFamily="34" charset="0"/>
@@ -16304,14 +16716,14 @@
           <p:nvPr>
             <p:extLst>
               <p:ext uri="{D42A27DB-BD31-4B8C-83A1-F6EECF244321}">
-                <p14:modId xmlns:p14="http://schemas.microsoft.com/office/powerpoint/2010/main" val="2156199314"/>
+                <p14:modId xmlns:p14="http://schemas.microsoft.com/office/powerpoint/2010/main" val="3879578013"/>
               </p:ext>
             </p:extLst>
           </p:nvPr>
         </p:nvGraphicFramePr>
         <p:xfrm>
           <a:off x="3512154" y="3301907"/>
-          <a:ext cx="5937250" cy="2626360"/>
+          <a:ext cx="5937250" cy="2494661"/>
         </p:xfrm>
         <a:graphic>
           <a:graphicData uri="http://schemas.openxmlformats.org/drawingml/2006/table">
@@ -16341,12 +16753,24 @@
                         </a:spcAft>
                       </a:pPr>
                       <a:r>
-                        <a:rPr lang="en-US" sz="1100">
-                          <a:effectLst/>
-                        </a:rPr>
-                        <a:t>Nama UseCase</a:t>
-                      </a:r>
-                      <a:endParaRPr lang="en-US" sz="1100">
+                        <a:rPr lang="en-US" sz="1100" dirty="0" err="1">
+                          <a:effectLst/>
+                        </a:rPr>
+                        <a:t>Nama</a:t>
+                      </a:r>
+                      <a:r>
+                        <a:rPr lang="en-US" sz="1100" dirty="0">
+                          <a:effectLst/>
+                        </a:rPr>
+                        <a:t> </a:t>
+                      </a:r>
+                      <a:r>
+                        <a:rPr lang="en-US" sz="1100" dirty="0" err="1">
+                          <a:effectLst/>
+                        </a:rPr>
+                        <a:t>UseCase</a:t>
+                      </a:r>
+                      <a:endParaRPr lang="en-US" sz="1100" dirty="0">
                         <a:effectLst/>
                         <a:latin typeface="Calibri" panose="020F0502020204030204" pitchFamily="34" charset="0"/>
                         <a:ea typeface="Calibri" panose="020F0502020204030204" pitchFamily="34" charset="0"/>
@@ -16694,10 +17118,106 @@
                         </a:spcAft>
                       </a:pPr>
                       <a:r>
-                        <a:rPr lang="en-US" sz="1100">
-                          <a:effectLst/>
-                        </a:rPr>
-                        <a:t>1. Jika Admin memilih tambah maka deskripsi pengurus akan ditambahkan </a:t>
+                        <a:rPr lang="en-US" sz="1100" dirty="0">
+                          <a:effectLst/>
+                        </a:rPr>
+                        <a:t>1. </a:t>
+                      </a:r>
+                      <a:r>
+                        <a:rPr lang="en-US" sz="1100" dirty="0" err="1">
+                          <a:effectLst/>
+                        </a:rPr>
+                        <a:t>Jika</a:t>
+                      </a:r>
+                      <a:r>
+                        <a:rPr lang="en-US" sz="1100" dirty="0">
+                          <a:effectLst/>
+                        </a:rPr>
+                        <a:t> Admin </a:t>
+                      </a:r>
+                      <a:r>
+                        <a:rPr lang="en-US" sz="1100" dirty="0" err="1">
+                          <a:effectLst/>
+                        </a:rPr>
+                        <a:t>memilih</a:t>
+                      </a:r>
+                      <a:r>
+                        <a:rPr lang="en-US" sz="1100" dirty="0">
+                          <a:effectLst/>
+                        </a:rPr>
+                        <a:t> </a:t>
+                      </a:r>
+                      <a:r>
+                        <a:rPr lang="en-US" sz="1100" dirty="0" err="1">
+                          <a:effectLst/>
+                        </a:rPr>
+                        <a:t>tambah</a:t>
+                      </a:r>
+                      <a:r>
+                        <a:rPr lang="en-US" sz="1100" dirty="0">
+                          <a:effectLst/>
+                        </a:rPr>
+                        <a:t> </a:t>
+                      </a:r>
+                      <a:r>
+                        <a:rPr lang="en-US" sz="1100" dirty="0" err="1">
+                          <a:effectLst/>
+                        </a:rPr>
+                        <a:t>maka</a:t>
+                      </a:r>
+                      <a:r>
+                        <a:rPr lang="en-US" sz="1100" dirty="0">
+                          <a:effectLst/>
+                        </a:rPr>
+                        <a:t> </a:t>
+                      </a:r>
+                      <a:r>
+                        <a:rPr lang="en-US" sz="1100" dirty="0" err="1">
+                          <a:effectLst/>
+                        </a:rPr>
+                        <a:t>deskripsi</a:t>
+                      </a:r>
+                      <a:r>
+                        <a:rPr lang="en-US" sz="1100" dirty="0">
+                          <a:effectLst/>
+                        </a:rPr>
+                        <a:t> </a:t>
+                      </a:r>
+                      <a:r>
+                        <a:rPr lang="en-US" sz="1100" dirty="0" err="1">
+                          <a:effectLst/>
+                        </a:rPr>
+                        <a:t>pengurus</a:t>
+                      </a:r>
+                      <a:r>
+                        <a:rPr lang="en-US" sz="1100" dirty="0">
+                          <a:effectLst/>
+                        </a:rPr>
+                        <a:t> </a:t>
+                      </a:r>
+                      <a:r>
+                        <a:rPr lang="en-US" sz="1100" dirty="0" err="1">
+                          <a:effectLst/>
+                        </a:rPr>
+                        <a:t>akan</a:t>
+                      </a:r>
+                      <a:r>
+                        <a:rPr lang="en-US" sz="1100" dirty="0">
+                          <a:effectLst/>
+                        </a:rPr>
+                        <a:t> </a:t>
+                      </a:r>
+                      <a:r>
+                        <a:rPr lang="en-US" sz="1100" dirty="0" err="1">
+                          <a:effectLst/>
+                        </a:rPr>
+                        <a:t>ditambahkan</a:t>
+                      </a:r>
+                      <a:r>
+                        <a:rPr lang="en-US" sz="1100" dirty="0">
+                          <a:effectLst/>
+                        </a:rPr>
+                        <a:t> </a:t>
                       </a:r>
                     </a:p>
                     <a:p>
@@ -16713,12 +17233,96 @@
                         </a:spcAft>
                       </a:pPr>
                       <a:r>
-                        <a:rPr lang="en-US" sz="1100">
-                          <a:effectLst/>
-                        </a:rPr>
-                        <a:t>2. Jika Admin memilih batal maka akan dikembalikan ke Menu Daftar Pengurus</a:t>
-                      </a:r>
-                      <a:endParaRPr lang="en-US" sz="1100">
+                        <a:rPr lang="en-US" sz="1100" dirty="0">
+                          <a:effectLst/>
+                        </a:rPr>
+                        <a:t>2. </a:t>
+                      </a:r>
+                      <a:r>
+                        <a:rPr lang="en-US" sz="1100" dirty="0" err="1">
+                          <a:effectLst/>
+                        </a:rPr>
+                        <a:t>Jika</a:t>
+                      </a:r>
+                      <a:r>
+                        <a:rPr lang="en-US" sz="1100" dirty="0">
+                          <a:effectLst/>
+                        </a:rPr>
+                        <a:t> Admin </a:t>
+                      </a:r>
+                      <a:r>
+                        <a:rPr lang="en-US" sz="1100" dirty="0" err="1">
+                          <a:effectLst/>
+                        </a:rPr>
+                        <a:t>memilih</a:t>
+                      </a:r>
+                      <a:r>
+                        <a:rPr lang="en-US" sz="1100" dirty="0">
+                          <a:effectLst/>
+                        </a:rPr>
+                        <a:t> </a:t>
+                      </a:r>
+                      <a:r>
+                        <a:rPr lang="en-US" sz="1100" dirty="0" smtClean="0">
+                          <a:effectLst/>
+                        </a:rPr>
+                        <a:t>reset </a:t>
+                      </a:r>
+                      <a:r>
+                        <a:rPr lang="en-US" sz="1100" dirty="0" err="1">
+                          <a:effectLst/>
+                        </a:rPr>
+                        <a:t>akan</a:t>
+                      </a:r>
+                      <a:r>
+                        <a:rPr lang="en-US" sz="1100" dirty="0">
+                          <a:effectLst/>
+                        </a:rPr>
+                        <a:t> </a:t>
+                      </a:r>
+                      <a:r>
+                        <a:rPr lang="en-US" sz="1100" dirty="0" err="1">
+                          <a:effectLst/>
+                        </a:rPr>
+                        <a:t>dikembalikan</a:t>
+                      </a:r>
+                      <a:r>
+                        <a:rPr lang="en-US" sz="1100" dirty="0">
+                          <a:effectLst/>
+                        </a:rPr>
+                        <a:t> </a:t>
+                      </a:r>
+                      <a:r>
+                        <a:rPr lang="en-US" sz="1100" dirty="0" err="1">
+                          <a:effectLst/>
+                        </a:rPr>
+                        <a:t>ke</a:t>
+                      </a:r>
+                      <a:r>
+                        <a:rPr lang="en-US" sz="1100" dirty="0">
+                          <a:effectLst/>
+                        </a:rPr>
+                        <a:t> Menu </a:t>
+                      </a:r>
+                      <a:r>
+                        <a:rPr lang="en-US" sz="1100" dirty="0" err="1">
+                          <a:effectLst/>
+                        </a:rPr>
+                        <a:t>Daftar</a:t>
+                      </a:r>
+                      <a:r>
+                        <a:rPr lang="en-US" sz="1100" dirty="0">
+                          <a:effectLst/>
+                        </a:rPr>
+                        <a:t> </a:t>
+                      </a:r>
+                      <a:r>
+                        <a:rPr lang="en-US" sz="1100" dirty="0" err="1">
+                          <a:effectLst/>
+                        </a:rPr>
+                        <a:t>Pengurus</a:t>
+                      </a:r>
+                      <a:endParaRPr lang="en-US" sz="1100" dirty="0">
                         <a:effectLst/>
                         <a:latin typeface="Calibri" panose="020F0502020204030204" pitchFamily="34" charset="0"/>
                         <a:ea typeface="Calibri" panose="020F0502020204030204" pitchFamily="34" charset="0"/>
@@ -16980,6 +17584,13 @@
   <p:clrMapOvr>
     <a:masterClrMapping/>
   </p:clrMapOvr>
+  <p:timing>
+    <p:tnLst>
+      <p:par>
+        <p:cTn id="1" dur="indefinite" restart="never" nodeType="tmRoot"/>
+      </p:par>
+    </p:tnLst>
+  </p:timing>
 </p:sld>
 </file>
 
@@ -17161,7 +17772,7 @@
         </p:nvGraphicFramePr>
         <p:xfrm>
           <a:off x="3460639" y="758131"/>
-          <a:ext cx="5937250" cy="2433574"/>
+          <a:ext cx="5937250" cy="2506218"/>
         </p:xfrm>
         <a:graphic>
           <a:graphicData uri="http://schemas.openxmlformats.org/drawingml/2006/table">
@@ -17853,14 +18464,14 @@
           <p:nvPr>
             <p:extLst>
               <p:ext uri="{D42A27DB-BD31-4B8C-83A1-F6EECF244321}">
-                <p14:modId xmlns:p14="http://schemas.microsoft.com/office/powerpoint/2010/main" val="875862428"/>
+                <p14:modId xmlns:p14="http://schemas.microsoft.com/office/powerpoint/2010/main" val="1112654535"/>
               </p:ext>
             </p:extLst>
           </p:nvPr>
         </p:nvGraphicFramePr>
         <p:xfrm>
           <a:off x="3460639" y="3578604"/>
-          <a:ext cx="5937250" cy="2433574"/>
+          <a:ext cx="5937250" cy="2494661"/>
         </p:xfrm>
         <a:graphic>
           <a:graphicData uri="http://schemas.openxmlformats.org/drawingml/2006/table">
@@ -17890,12 +18501,24 @@
                         </a:spcAft>
                       </a:pPr>
                       <a:r>
-                        <a:rPr lang="en-US" sz="1100">
-                          <a:effectLst/>
-                        </a:rPr>
-                        <a:t>Nama UseCase</a:t>
-                      </a:r>
-                      <a:endParaRPr lang="en-US" sz="1100">
+                        <a:rPr lang="en-US" sz="1100" dirty="0" err="1">
+                          <a:effectLst/>
+                        </a:rPr>
+                        <a:t>Nama</a:t>
+                      </a:r>
+                      <a:r>
+                        <a:rPr lang="en-US" sz="1100" dirty="0">
+                          <a:effectLst/>
+                        </a:rPr>
+                        <a:t> </a:t>
+                      </a:r>
+                      <a:r>
+                        <a:rPr lang="en-US" sz="1100" dirty="0" err="1">
+                          <a:effectLst/>
+                        </a:rPr>
+                        <a:t>UseCase</a:t>
+                      </a:r>
+                      <a:endParaRPr lang="en-US" sz="1100" dirty="0">
                         <a:effectLst/>
                         <a:latin typeface="Calibri" panose="020F0502020204030204" pitchFamily="34" charset="0"/>
                         <a:ea typeface="Calibri" panose="020F0502020204030204" pitchFamily="34" charset="0"/>
@@ -18243,11 +18866,104 @@
                         </a:spcAft>
                       </a:pPr>
                       <a:r>
-                        <a:rPr lang="en-US" sz="1100">
-                          <a:effectLst/>
-                        </a:rPr>
-                        <a:t>1. Jika Admin memilih edit maka deskripsi pengurus yang dipilih akan diedit</a:t>
-                      </a:r>
+                        <a:rPr lang="en-US" sz="1100" dirty="0">
+                          <a:effectLst/>
+                        </a:rPr>
+                        <a:t>1. </a:t>
+                      </a:r>
+                      <a:r>
+                        <a:rPr lang="en-US" sz="1100" dirty="0" err="1">
+                          <a:effectLst/>
+                        </a:rPr>
+                        <a:t>Jika</a:t>
+                      </a:r>
+                      <a:r>
+                        <a:rPr lang="en-US" sz="1100" dirty="0">
+                          <a:effectLst/>
+                        </a:rPr>
+                        <a:t> Admin </a:t>
+                      </a:r>
+                      <a:r>
+                        <a:rPr lang="en-US" sz="1100" dirty="0" err="1">
+                          <a:effectLst/>
+                        </a:rPr>
+                        <a:t>memilih</a:t>
+                      </a:r>
+                      <a:r>
+                        <a:rPr lang="en-US" sz="1100" dirty="0">
+                          <a:effectLst/>
+                        </a:rPr>
+                        <a:t> edit </a:t>
+                      </a:r>
+                      <a:r>
+                        <a:rPr lang="en-US" sz="1100" dirty="0" err="1">
+                          <a:effectLst/>
+                        </a:rPr>
+                        <a:t>maka</a:t>
+                      </a:r>
+                      <a:r>
+                        <a:rPr lang="en-US" sz="1100" dirty="0">
+                          <a:effectLst/>
+                        </a:rPr>
+                        <a:t> </a:t>
+                      </a:r>
+                      <a:r>
+                        <a:rPr lang="en-US" sz="1100" dirty="0" err="1">
+                          <a:effectLst/>
+                        </a:rPr>
+                        <a:t>deskripsi</a:t>
+                      </a:r>
+                      <a:r>
+                        <a:rPr lang="en-US" sz="1100" dirty="0">
+                          <a:effectLst/>
+                        </a:rPr>
+                        <a:t> </a:t>
+                      </a:r>
+                      <a:r>
+                        <a:rPr lang="en-US" sz="1100" dirty="0" err="1">
+                          <a:effectLst/>
+                        </a:rPr>
+                        <a:t>pengurus</a:t>
+                      </a:r>
+                      <a:r>
+                        <a:rPr lang="en-US" sz="1100" dirty="0">
+                          <a:effectLst/>
+                        </a:rPr>
+                        <a:t> yang </a:t>
+                      </a:r>
+                      <a:r>
+                        <a:rPr lang="en-US" sz="1100" dirty="0" err="1">
+                          <a:effectLst/>
+                        </a:rPr>
+                        <a:t>dipilih</a:t>
+                      </a:r>
+                      <a:r>
+                        <a:rPr lang="en-US" sz="1100" dirty="0">
+                          <a:effectLst/>
+                        </a:rPr>
+                        <a:t> </a:t>
+                      </a:r>
+                      <a:r>
+                        <a:rPr lang="en-US" sz="1100" dirty="0" err="1">
+                          <a:effectLst/>
+                        </a:rPr>
+                        <a:t>akan</a:t>
+                      </a:r>
+                      <a:r>
+                        <a:rPr lang="en-US" sz="1100" dirty="0">
+                          <a:effectLst/>
+                        </a:rPr>
+                        <a:t> </a:t>
+                      </a:r>
+                      <a:r>
+                        <a:rPr lang="en-US" sz="1100" dirty="0" err="1">
+                          <a:effectLst/>
+                        </a:rPr>
+                        <a:t>diedit</a:t>
+                      </a:r>
+                      <a:endParaRPr lang="en-US" sz="1100" dirty="0">
+                        <a:effectLst/>
+                      </a:endParaRPr>
                     </a:p>
                     <a:p>
                       <a:pPr marL="0" marR="0">
@@ -18262,12 +18978,108 @@
                         </a:spcAft>
                       </a:pPr>
                       <a:r>
-                        <a:rPr lang="en-US" sz="1100">
-                          <a:effectLst/>
-                        </a:rPr>
-                        <a:t>2. Jika Admin memilih batal maka akan dikembalikan ke Menu Daftar Pengurus</a:t>
-                      </a:r>
-                      <a:endParaRPr lang="en-US" sz="1100">
+                        <a:rPr lang="en-US" sz="1100" dirty="0">
+                          <a:effectLst/>
+                        </a:rPr>
+                        <a:t>2. </a:t>
+                      </a:r>
+                      <a:r>
+                        <a:rPr lang="en-US" sz="1100" dirty="0" err="1">
+                          <a:effectLst/>
+                        </a:rPr>
+                        <a:t>Jika</a:t>
+                      </a:r>
+                      <a:r>
+                        <a:rPr lang="en-US" sz="1100" dirty="0">
+                          <a:effectLst/>
+                        </a:rPr>
+                        <a:t> Admin </a:t>
+                      </a:r>
+                      <a:r>
+                        <a:rPr lang="en-US" sz="1100" dirty="0" err="1">
+                          <a:effectLst/>
+                        </a:rPr>
+                        <a:t>memilih</a:t>
+                      </a:r>
+                      <a:r>
+                        <a:rPr lang="en-US" sz="1100" dirty="0">
+                          <a:effectLst/>
+                        </a:rPr>
+                        <a:t> </a:t>
+                      </a:r>
+                      <a:r>
+                        <a:rPr lang="en-US" sz="1100" dirty="0" smtClean="0">
+                          <a:effectLst/>
+                        </a:rPr>
+                        <a:t>cancel </a:t>
+                      </a:r>
+                      <a:r>
+                        <a:rPr lang="en-US" sz="1100" dirty="0" err="1">
+                          <a:effectLst/>
+                        </a:rPr>
+                        <a:t>maka</a:t>
+                      </a:r>
+                      <a:r>
+                        <a:rPr lang="en-US" sz="1100" dirty="0">
+                          <a:effectLst/>
+                        </a:rPr>
+                        <a:t> </a:t>
+                      </a:r>
+                      <a:r>
+                        <a:rPr lang="en-US" sz="1100" dirty="0" err="1">
+                          <a:effectLst/>
+                        </a:rPr>
+                        <a:t>akan</a:t>
+                      </a:r>
+                      <a:r>
+                        <a:rPr lang="en-US" sz="1100" dirty="0">
+                          <a:effectLst/>
+                        </a:rPr>
+                        <a:t> </a:t>
+                      </a:r>
+                      <a:r>
+                        <a:rPr lang="en-US" sz="1100" dirty="0" err="1">
+                          <a:effectLst/>
+                        </a:rPr>
+                        <a:t>dikembalikan</a:t>
+                      </a:r>
+                      <a:r>
+                        <a:rPr lang="en-US" sz="1100" dirty="0">
+                          <a:effectLst/>
+                        </a:rPr>
+                        <a:t> </a:t>
+                      </a:r>
+                      <a:r>
+                        <a:rPr lang="en-US" sz="1100" dirty="0" err="1">
+                          <a:effectLst/>
+                        </a:rPr>
+                        <a:t>ke</a:t>
+                      </a:r>
+                      <a:r>
+                        <a:rPr lang="en-US" sz="1100" dirty="0">
+                          <a:effectLst/>
+                        </a:rPr>
+                        <a:t> Menu </a:t>
+                      </a:r>
+                      <a:r>
+                        <a:rPr lang="en-US" sz="1100" dirty="0" err="1">
+                          <a:effectLst/>
+                        </a:rPr>
+                        <a:t>Daftar</a:t>
+                      </a:r>
+                      <a:r>
+                        <a:rPr lang="en-US" sz="1100" dirty="0">
+                          <a:effectLst/>
+                        </a:rPr>
+                        <a:t> </a:t>
+                      </a:r>
+                      <a:r>
+                        <a:rPr lang="en-US" sz="1100" dirty="0" err="1">
+                          <a:effectLst/>
+                        </a:rPr>
+                        <a:t>Pengurus</a:t>
+                      </a:r>
+                      <a:endParaRPr lang="en-US" sz="1100" dirty="0">
                         <a:effectLst/>
                         <a:latin typeface="Calibri" panose="020F0502020204030204" pitchFamily="34" charset="0"/>
                         <a:ea typeface="Calibri" panose="020F0502020204030204" pitchFamily="34" charset="0"/>
@@ -18541,6 +19353,13 @@
   <p:clrMapOvr>
     <a:masterClrMapping/>
   </p:clrMapOvr>
+  <p:timing>
+    <p:tnLst>
+      <p:par>
+        <p:cTn id="1" dur="indefinite" restart="never" nodeType="tmRoot"/>
+      </p:par>
+    </p:tnLst>
+  </p:timing>
 </p:sld>
 </file>
 
@@ -18687,14 +19506,14 @@
           <p:nvPr>
             <p:extLst>
               <p:ext uri="{D42A27DB-BD31-4B8C-83A1-F6EECF244321}">
-                <p14:modId xmlns:p14="http://schemas.microsoft.com/office/powerpoint/2010/main" val="986420387"/>
+                <p14:modId xmlns:p14="http://schemas.microsoft.com/office/powerpoint/2010/main" val="190648627"/>
               </p:ext>
             </p:extLst>
           </p:nvPr>
         </p:nvGraphicFramePr>
         <p:xfrm>
           <a:off x="3344728" y="654703"/>
-          <a:ext cx="5937250" cy="2048002"/>
+          <a:ext cx="5937250" cy="2109089"/>
         </p:xfrm>
         <a:graphic>
           <a:graphicData uri="http://schemas.openxmlformats.org/drawingml/2006/table">
@@ -19242,10 +20061,94 @@
                         </a:spcAft>
                       </a:pPr>
                       <a:r>
-                        <a:rPr lang="en-US" sz="1100">
-                          <a:effectLst/>
-                        </a:rPr>
-                        <a:t>1. Jika Admin memilih tambah maka proker akan ditambahkan </a:t>
+                        <a:rPr lang="en-US" sz="1100" dirty="0">
+                          <a:effectLst/>
+                        </a:rPr>
+                        <a:t>1. </a:t>
+                      </a:r>
+                      <a:r>
+                        <a:rPr lang="en-US" sz="1100" dirty="0" err="1">
+                          <a:effectLst/>
+                        </a:rPr>
+                        <a:t>Jika</a:t>
+                      </a:r>
+                      <a:r>
+                        <a:rPr lang="en-US" sz="1100" dirty="0">
+                          <a:effectLst/>
+                        </a:rPr>
+                        <a:t> Admin </a:t>
+                      </a:r>
+                      <a:r>
+                        <a:rPr lang="en-US" sz="1100" dirty="0" err="1">
+                          <a:effectLst/>
+                        </a:rPr>
+                        <a:t>memilih</a:t>
+                      </a:r>
+                      <a:r>
+                        <a:rPr lang="en-US" sz="1100" dirty="0">
+                          <a:effectLst/>
+                        </a:rPr>
+                        <a:t> </a:t>
+                      </a:r>
+                      <a:r>
+                        <a:rPr lang="en-US" sz="1100" dirty="0" err="1">
+                          <a:effectLst/>
+                        </a:rPr>
+                        <a:t>tambah</a:t>
+                      </a:r>
+                      <a:r>
+                        <a:rPr lang="en-US" sz="1100" dirty="0">
+                          <a:effectLst/>
+                        </a:rPr>
+                        <a:t> </a:t>
+                      </a:r>
+                      <a:r>
+                        <a:rPr lang="en-US" sz="1100" dirty="0" err="1">
+                          <a:effectLst/>
+                        </a:rPr>
+                        <a:t>maka</a:t>
+                      </a:r>
+                      <a:r>
+                        <a:rPr lang="en-US" sz="1100" dirty="0">
+                          <a:effectLst/>
+                        </a:rPr>
+                        <a:t> </a:t>
+                      </a:r>
+                      <a:r>
+                        <a:rPr lang="en-US" sz="1100" dirty="0" err="1">
+                          <a:effectLst/>
+                        </a:rPr>
+                        <a:t>proker</a:t>
+                      </a:r>
+                      <a:r>
+                        <a:rPr lang="en-US" sz="1100" dirty="0">
+                          <a:effectLst/>
+                        </a:rPr>
+                        <a:t> </a:t>
+                      </a:r>
+                      <a:r>
+                        <a:rPr lang="en-US" sz="1100" dirty="0" err="1">
+                          <a:effectLst/>
+                        </a:rPr>
+                        <a:t>akan</a:t>
+                      </a:r>
+                      <a:r>
+                        <a:rPr lang="en-US" sz="1100" dirty="0">
+                          <a:effectLst/>
+                        </a:rPr>
+                        <a:t> </a:t>
+                      </a:r>
+                      <a:r>
+                        <a:rPr lang="en-US" sz="1100" dirty="0" err="1">
+                          <a:effectLst/>
+                        </a:rPr>
+                        <a:t>ditambahkan</a:t>
+                      </a:r>
+                      <a:r>
+                        <a:rPr lang="en-US" sz="1100" dirty="0">
+                          <a:effectLst/>
+                        </a:rPr>
+                        <a:t> </a:t>
                       </a:r>
                     </a:p>
                     <a:p>
@@ -19261,12 +20164,96 @@
                         </a:spcAft>
                       </a:pPr>
                       <a:r>
-                        <a:rPr lang="en-US" sz="1100">
-                          <a:effectLst/>
-                        </a:rPr>
-                        <a:t>2. Jika Admin memilih batal maka akan dikembalikan ke Menu Galeri</a:t>
-                      </a:r>
-                      <a:endParaRPr lang="en-US" sz="1100">
+                        <a:rPr lang="en-US" sz="1100" dirty="0">
+                          <a:effectLst/>
+                        </a:rPr>
+                        <a:t>2. </a:t>
+                      </a:r>
+                      <a:r>
+                        <a:rPr lang="en-US" sz="1100" dirty="0" err="1">
+                          <a:effectLst/>
+                        </a:rPr>
+                        <a:t>Jika</a:t>
+                      </a:r>
+                      <a:r>
+                        <a:rPr lang="en-US" sz="1100" dirty="0">
+                          <a:effectLst/>
+                        </a:rPr>
+                        <a:t> Admin </a:t>
+                      </a:r>
+                      <a:r>
+                        <a:rPr lang="en-US" sz="1100" dirty="0" err="1">
+                          <a:effectLst/>
+                        </a:rPr>
+                        <a:t>memilih</a:t>
+                      </a:r>
+                      <a:r>
+                        <a:rPr lang="en-US" sz="1100" dirty="0">
+                          <a:effectLst/>
+                        </a:rPr>
+                        <a:t> </a:t>
+                      </a:r>
+                      <a:r>
+                        <a:rPr lang="en-US" sz="1100" dirty="0" smtClean="0">
+                          <a:effectLst/>
+                        </a:rPr>
+                        <a:t>reset </a:t>
+                      </a:r>
+                      <a:r>
+                        <a:rPr lang="en-US" sz="1100" dirty="0" err="1">
+                          <a:effectLst/>
+                        </a:rPr>
+                        <a:t>maka</a:t>
+                      </a:r>
+                      <a:r>
+                        <a:rPr lang="en-US" sz="1100" dirty="0">
+                          <a:effectLst/>
+                        </a:rPr>
+                        <a:t> </a:t>
+                      </a:r>
+                      <a:r>
+                        <a:rPr lang="en-US" sz="1100" dirty="0" err="1">
+                          <a:effectLst/>
+                        </a:rPr>
+                        <a:t>akan</a:t>
+                      </a:r>
+                      <a:r>
+                        <a:rPr lang="en-US" sz="1100" dirty="0">
+                          <a:effectLst/>
+                        </a:rPr>
+                        <a:t> </a:t>
+                      </a:r>
+                      <a:r>
+                        <a:rPr lang="en-US" sz="1100" dirty="0" err="1">
+                          <a:effectLst/>
+                        </a:rPr>
+                        <a:t>dikembalikan</a:t>
+                      </a:r>
+                      <a:r>
+                        <a:rPr lang="en-US" sz="1100" dirty="0">
+                          <a:effectLst/>
+                        </a:rPr>
+                        <a:t> </a:t>
+                      </a:r>
+                      <a:r>
+                        <a:rPr lang="en-US" sz="1100" dirty="0" err="1">
+                          <a:effectLst/>
+                        </a:rPr>
+                        <a:t>ke</a:t>
+                      </a:r>
+                      <a:r>
+                        <a:rPr lang="en-US" sz="1100" dirty="0">
+                          <a:effectLst/>
+                        </a:rPr>
+                        <a:t> Menu </a:t>
+                      </a:r>
+                      <a:r>
+                        <a:rPr lang="en-US" sz="1100" dirty="0" err="1">
+                          <a:effectLst/>
+                        </a:rPr>
+                        <a:t>Galeri</a:t>
+                      </a:r>
+                      <a:endParaRPr lang="en-US" sz="1100" dirty="0">
                         <a:effectLst/>
                         <a:latin typeface="Calibri" panose="020F0502020204030204" pitchFamily="34" charset="0"/>
                         <a:ea typeface="Calibri" panose="020F0502020204030204" pitchFamily="34" charset="0"/>
@@ -19327,12 +20314,36 @@
                         </a:spcAft>
                       </a:pPr>
                       <a:r>
-                        <a:rPr lang="en-US" sz="1100">
-                          <a:effectLst/>
-                        </a:rPr>
-                        <a:t>Kembali ke Menu Proker</a:t>
-                      </a:r>
-                      <a:endParaRPr lang="en-US" sz="1100">
+                        <a:rPr lang="en-US" sz="1100" dirty="0" err="1">
+                          <a:effectLst/>
+                        </a:rPr>
+                        <a:t>Kembali</a:t>
+                      </a:r>
+                      <a:r>
+                        <a:rPr lang="en-US" sz="1100" dirty="0">
+                          <a:effectLst/>
+                        </a:rPr>
+                        <a:t> </a:t>
+                      </a:r>
+                      <a:r>
+                        <a:rPr lang="en-US" sz="1100" dirty="0" err="1">
+                          <a:effectLst/>
+                        </a:rPr>
+                        <a:t>ke</a:t>
+                      </a:r>
+                      <a:r>
+                        <a:rPr lang="en-US" sz="1100" dirty="0">
+                          <a:effectLst/>
+                        </a:rPr>
+                        <a:t> Menu </a:t>
+                      </a:r>
+                      <a:r>
+                        <a:rPr lang="en-US" sz="1100" dirty="0" err="1">
+                          <a:effectLst/>
+                        </a:rPr>
+                        <a:t>Proker</a:t>
+                      </a:r>
+                      <a:endParaRPr lang="en-US" sz="1100" dirty="0">
                         <a:effectLst/>
                         <a:latin typeface="Calibri" panose="020F0502020204030204" pitchFamily="34" charset="0"/>
                         <a:ea typeface="Calibri" panose="020F0502020204030204" pitchFamily="34" charset="0"/>
@@ -19522,7 +20533,7 @@
         </p:nvGraphicFramePr>
         <p:xfrm>
           <a:off x="3344728" y="3449418"/>
-          <a:ext cx="5937250" cy="2048002"/>
+          <a:ext cx="5937250" cy="2120646"/>
         </p:xfrm>
         <a:graphic>
           <a:graphicData uri="http://schemas.openxmlformats.org/drawingml/2006/table">
@@ -20191,6 +21202,13 @@
   <p:clrMapOvr>
     <a:masterClrMapping/>
   </p:clrMapOvr>
+  <p:timing>
+    <p:tnLst>
+      <p:par>
+        <p:cTn id="1" dur="indefinite" restart="never" nodeType="tmRoot"/>
+      </p:par>
+    </p:tnLst>
+  </p:timing>
 </p:sld>
 </file>
 
@@ -20345,14 +21363,14 @@
           <p:nvPr>
             <p:extLst>
               <p:ext uri="{D42A27DB-BD31-4B8C-83A1-F6EECF244321}">
-                <p14:modId xmlns:p14="http://schemas.microsoft.com/office/powerpoint/2010/main" val="2115311233"/>
+                <p14:modId xmlns:p14="http://schemas.microsoft.com/office/powerpoint/2010/main" val="40279457"/>
               </p:ext>
             </p:extLst>
           </p:nvPr>
         </p:nvGraphicFramePr>
         <p:xfrm>
           <a:off x="3396244" y="751493"/>
-          <a:ext cx="5937250" cy="2240788"/>
+          <a:ext cx="5937250" cy="2301875"/>
         </p:xfrm>
         <a:graphic>
           <a:graphicData uri="http://schemas.openxmlformats.org/drawingml/2006/table">
@@ -20382,12 +21400,24 @@
                         </a:spcAft>
                       </a:pPr>
                       <a:r>
-                        <a:rPr lang="en-US" sz="1100">
-                          <a:effectLst/>
-                        </a:rPr>
-                        <a:t>Nama UseCase</a:t>
-                      </a:r>
-                      <a:endParaRPr lang="en-US" sz="1100">
+                        <a:rPr lang="en-US" sz="1100" dirty="0" err="1">
+                          <a:effectLst/>
+                        </a:rPr>
+                        <a:t>Nama</a:t>
+                      </a:r>
+                      <a:r>
+                        <a:rPr lang="en-US" sz="1100" dirty="0">
+                          <a:effectLst/>
+                        </a:rPr>
+                        <a:t> </a:t>
+                      </a:r>
+                      <a:r>
+                        <a:rPr lang="en-US" sz="1100" dirty="0" err="1">
+                          <a:effectLst/>
+                        </a:rPr>
+                        <a:t>UseCase</a:t>
+                      </a:r>
+                      <a:endParaRPr lang="en-US" sz="1100" dirty="0">
                         <a:effectLst/>
                         <a:latin typeface="Calibri" panose="020F0502020204030204" pitchFamily="34" charset="0"/>
                         <a:ea typeface="Calibri" panose="020F0502020204030204" pitchFamily="34" charset="0"/>
@@ -20735,11 +21765,104 @@
                         </a:spcAft>
                       </a:pPr>
                       <a:r>
-                        <a:rPr lang="en-US" sz="1100">
-                          <a:effectLst/>
-                        </a:rPr>
-                        <a:t>1. Jika Admin memilih edit maka deskripsi proker yang dipilih akan diedit</a:t>
-                      </a:r>
+                        <a:rPr lang="en-US" sz="1100" dirty="0">
+                          <a:effectLst/>
+                        </a:rPr>
+                        <a:t>1. </a:t>
+                      </a:r>
+                      <a:r>
+                        <a:rPr lang="en-US" sz="1100" dirty="0" err="1">
+                          <a:effectLst/>
+                        </a:rPr>
+                        <a:t>Jika</a:t>
+                      </a:r>
+                      <a:r>
+                        <a:rPr lang="en-US" sz="1100" dirty="0">
+                          <a:effectLst/>
+                        </a:rPr>
+                        <a:t> Admin </a:t>
+                      </a:r>
+                      <a:r>
+                        <a:rPr lang="en-US" sz="1100" dirty="0" err="1">
+                          <a:effectLst/>
+                        </a:rPr>
+                        <a:t>memilih</a:t>
+                      </a:r>
+                      <a:r>
+                        <a:rPr lang="en-US" sz="1100" dirty="0">
+                          <a:effectLst/>
+                        </a:rPr>
+                        <a:t> edit </a:t>
+                      </a:r>
+                      <a:r>
+                        <a:rPr lang="en-US" sz="1100" dirty="0" err="1">
+                          <a:effectLst/>
+                        </a:rPr>
+                        <a:t>maka</a:t>
+                      </a:r>
+                      <a:r>
+                        <a:rPr lang="en-US" sz="1100" dirty="0">
+                          <a:effectLst/>
+                        </a:rPr>
+                        <a:t> </a:t>
+                      </a:r>
+                      <a:r>
+                        <a:rPr lang="en-US" sz="1100" dirty="0" err="1">
+                          <a:effectLst/>
+                        </a:rPr>
+                        <a:t>deskripsi</a:t>
+                      </a:r>
+                      <a:r>
+                        <a:rPr lang="en-US" sz="1100" dirty="0">
+                          <a:effectLst/>
+                        </a:rPr>
+                        <a:t> </a:t>
+                      </a:r>
+                      <a:r>
+                        <a:rPr lang="en-US" sz="1100" dirty="0" err="1">
+                          <a:effectLst/>
+                        </a:rPr>
+                        <a:t>proker</a:t>
+                      </a:r>
+                      <a:r>
+                        <a:rPr lang="en-US" sz="1100" dirty="0">
+                          <a:effectLst/>
+                        </a:rPr>
+                        <a:t> yang </a:t>
+                      </a:r>
+                      <a:r>
+                        <a:rPr lang="en-US" sz="1100" dirty="0" err="1">
+                          <a:effectLst/>
+                        </a:rPr>
+                        <a:t>dipilih</a:t>
+                      </a:r>
+                      <a:r>
+                        <a:rPr lang="en-US" sz="1100" dirty="0">
+                          <a:effectLst/>
+                        </a:rPr>
+                        <a:t> </a:t>
+                      </a:r>
+                      <a:r>
+                        <a:rPr lang="en-US" sz="1100" dirty="0" err="1">
+                          <a:effectLst/>
+                        </a:rPr>
+                        <a:t>akan</a:t>
+                      </a:r>
+                      <a:r>
+                        <a:rPr lang="en-US" sz="1100" dirty="0">
+                          <a:effectLst/>
+                        </a:rPr>
+                        <a:t> </a:t>
+                      </a:r>
+                      <a:r>
+                        <a:rPr lang="en-US" sz="1100" dirty="0" err="1">
+                          <a:effectLst/>
+                        </a:rPr>
+                        <a:t>diedit</a:t>
+                      </a:r>
+                      <a:endParaRPr lang="en-US" sz="1100" dirty="0">
+                        <a:effectLst/>
+                      </a:endParaRPr>
                     </a:p>
                     <a:p>
                       <a:pPr marL="0" marR="0">
@@ -20754,12 +21877,96 @@
                         </a:spcAft>
                       </a:pPr>
                       <a:r>
-                        <a:rPr lang="en-US" sz="1100">
-                          <a:effectLst/>
-                        </a:rPr>
-                        <a:t>2. Jika Admin memilih batal maka akan dikembalikan ke Menu Proker</a:t>
-                      </a:r>
-                      <a:endParaRPr lang="en-US" sz="1100">
+                        <a:rPr lang="en-US" sz="1100" dirty="0">
+                          <a:effectLst/>
+                        </a:rPr>
+                        <a:t>2. </a:t>
+                      </a:r>
+                      <a:r>
+                        <a:rPr lang="en-US" sz="1100" dirty="0" err="1">
+                          <a:effectLst/>
+                        </a:rPr>
+                        <a:t>Jika</a:t>
+                      </a:r>
+                      <a:r>
+                        <a:rPr lang="en-US" sz="1100" dirty="0">
+                          <a:effectLst/>
+                        </a:rPr>
+                        <a:t> Admin </a:t>
+                      </a:r>
+                      <a:r>
+                        <a:rPr lang="en-US" sz="1100" dirty="0" err="1">
+                          <a:effectLst/>
+                        </a:rPr>
+                        <a:t>memilih</a:t>
+                      </a:r>
+                      <a:r>
+                        <a:rPr lang="en-US" sz="1100" dirty="0">
+                          <a:effectLst/>
+                        </a:rPr>
+                        <a:t> </a:t>
+                      </a:r>
+                      <a:r>
+                        <a:rPr lang="en-US" sz="1100" dirty="0" smtClean="0">
+                          <a:effectLst/>
+                        </a:rPr>
+                        <a:t>cancel </a:t>
+                      </a:r>
+                      <a:r>
+                        <a:rPr lang="en-US" sz="1100" dirty="0" err="1">
+                          <a:effectLst/>
+                        </a:rPr>
+                        <a:t>maka</a:t>
+                      </a:r>
+                      <a:r>
+                        <a:rPr lang="en-US" sz="1100" dirty="0">
+                          <a:effectLst/>
+                        </a:rPr>
+                        <a:t> </a:t>
+                      </a:r>
+                      <a:r>
+                        <a:rPr lang="en-US" sz="1100" dirty="0" err="1">
+                          <a:effectLst/>
+                        </a:rPr>
+                        <a:t>akan</a:t>
+                      </a:r>
+                      <a:r>
+                        <a:rPr lang="en-US" sz="1100" dirty="0">
+                          <a:effectLst/>
+                        </a:rPr>
+                        <a:t> </a:t>
+                      </a:r>
+                      <a:r>
+                        <a:rPr lang="en-US" sz="1100" dirty="0" err="1">
+                          <a:effectLst/>
+                        </a:rPr>
+                        <a:t>dikembalikan</a:t>
+                      </a:r>
+                      <a:r>
+                        <a:rPr lang="en-US" sz="1100" dirty="0">
+                          <a:effectLst/>
+                        </a:rPr>
+                        <a:t> </a:t>
+                      </a:r>
+                      <a:r>
+                        <a:rPr lang="en-US" sz="1100" dirty="0" err="1">
+                          <a:effectLst/>
+                        </a:rPr>
+                        <a:t>ke</a:t>
+                      </a:r>
+                      <a:r>
+                        <a:rPr lang="en-US" sz="1100" dirty="0">
+                          <a:effectLst/>
+                        </a:rPr>
+                        <a:t> Menu </a:t>
+                      </a:r>
+                      <a:r>
+                        <a:rPr lang="en-US" sz="1100" dirty="0" err="1">
+                          <a:effectLst/>
+                        </a:rPr>
+                        <a:t>Proker</a:t>
+                      </a:r>
+                      <a:endParaRPr lang="en-US" sz="1100" dirty="0">
                         <a:effectLst/>
                         <a:latin typeface="Calibri" panose="020F0502020204030204" pitchFamily="34" charset="0"/>
                         <a:ea typeface="Calibri" panose="020F0502020204030204" pitchFamily="34" charset="0"/>
@@ -21032,14 +22239,14 @@
           <p:nvPr>
             <p:extLst>
               <p:ext uri="{D42A27DB-BD31-4B8C-83A1-F6EECF244321}">
-                <p14:modId xmlns:p14="http://schemas.microsoft.com/office/powerpoint/2010/main" val="1851894900"/>
+                <p14:modId xmlns:p14="http://schemas.microsoft.com/office/powerpoint/2010/main" val="943786389"/>
               </p:ext>
             </p:extLst>
           </p:nvPr>
         </p:nvGraphicFramePr>
         <p:xfrm>
           <a:off x="3396244" y="3629723"/>
-          <a:ext cx="5937250" cy="2048002"/>
+          <a:ext cx="5937250" cy="2109089"/>
         </p:xfrm>
         <a:graphic>
           <a:graphicData uri="http://schemas.openxmlformats.org/drawingml/2006/table">
@@ -21069,12 +22276,24 @@
                         </a:spcAft>
                       </a:pPr>
                       <a:r>
-                        <a:rPr lang="en-US" sz="1100">
-                          <a:effectLst/>
-                        </a:rPr>
-                        <a:t>Nama UseCase</a:t>
-                      </a:r>
-                      <a:endParaRPr lang="en-US" sz="1100">
+                        <a:rPr lang="en-US" sz="1100" dirty="0" err="1">
+                          <a:effectLst/>
+                        </a:rPr>
+                        <a:t>Nama</a:t>
+                      </a:r>
+                      <a:r>
+                        <a:rPr lang="en-US" sz="1100" dirty="0">
+                          <a:effectLst/>
+                        </a:rPr>
+                        <a:t> </a:t>
+                      </a:r>
+                      <a:r>
+                        <a:rPr lang="en-US" sz="1100" dirty="0" err="1">
+                          <a:effectLst/>
+                        </a:rPr>
+                        <a:t>UseCase</a:t>
+                      </a:r>
+                      <a:endParaRPr lang="en-US" sz="1100" dirty="0">
                         <a:effectLst/>
                         <a:latin typeface="Calibri" panose="020F0502020204030204" pitchFamily="34" charset="0"/>
                         <a:ea typeface="Calibri" panose="020F0502020204030204" pitchFamily="34" charset="0"/>
@@ -21422,10 +22641,94 @@
                         </a:spcAft>
                       </a:pPr>
                       <a:r>
-                        <a:rPr lang="en-US" sz="1100">
-                          <a:effectLst/>
-                        </a:rPr>
-                        <a:t>1. Jika Admin memilih tambah maka sejarah akan ditambahkan </a:t>
+                        <a:rPr lang="en-US" sz="1100" dirty="0">
+                          <a:effectLst/>
+                        </a:rPr>
+                        <a:t>1. </a:t>
+                      </a:r>
+                      <a:r>
+                        <a:rPr lang="en-US" sz="1100" dirty="0" err="1">
+                          <a:effectLst/>
+                        </a:rPr>
+                        <a:t>Jika</a:t>
+                      </a:r>
+                      <a:r>
+                        <a:rPr lang="en-US" sz="1100" dirty="0">
+                          <a:effectLst/>
+                        </a:rPr>
+                        <a:t> Admin </a:t>
+                      </a:r>
+                      <a:r>
+                        <a:rPr lang="en-US" sz="1100" dirty="0" err="1">
+                          <a:effectLst/>
+                        </a:rPr>
+                        <a:t>memilih</a:t>
+                      </a:r>
+                      <a:r>
+                        <a:rPr lang="en-US" sz="1100" dirty="0">
+                          <a:effectLst/>
+                        </a:rPr>
+                        <a:t> </a:t>
+                      </a:r>
+                      <a:r>
+                        <a:rPr lang="en-US" sz="1100" dirty="0" err="1">
+                          <a:effectLst/>
+                        </a:rPr>
+                        <a:t>tambah</a:t>
+                      </a:r>
+                      <a:r>
+                        <a:rPr lang="en-US" sz="1100" dirty="0">
+                          <a:effectLst/>
+                        </a:rPr>
+                        <a:t> </a:t>
+                      </a:r>
+                      <a:r>
+                        <a:rPr lang="en-US" sz="1100" dirty="0" err="1">
+                          <a:effectLst/>
+                        </a:rPr>
+                        <a:t>maka</a:t>
+                      </a:r>
+                      <a:r>
+                        <a:rPr lang="en-US" sz="1100" dirty="0">
+                          <a:effectLst/>
+                        </a:rPr>
+                        <a:t> </a:t>
+                      </a:r>
+                      <a:r>
+                        <a:rPr lang="en-US" sz="1100" dirty="0" err="1">
+                          <a:effectLst/>
+                        </a:rPr>
+                        <a:t>sejarah</a:t>
+                      </a:r>
+                      <a:r>
+                        <a:rPr lang="en-US" sz="1100" dirty="0">
+                          <a:effectLst/>
+                        </a:rPr>
+                        <a:t> </a:t>
+                      </a:r>
+                      <a:r>
+                        <a:rPr lang="en-US" sz="1100" dirty="0" err="1">
+                          <a:effectLst/>
+                        </a:rPr>
+                        <a:t>akan</a:t>
+                      </a:r>
+                      <a:r>
+                        <a:rPr lang="en-US" sz="1100" dirty="0">
+                          <a:effectLst/>
+                        </a:rPr>
+                        <a:t> </a:t>
+                      </a:r>
+                      <a:r>
+                        <a:rPr lang="en-US" sz="1100" dirty="0" err="1">
+                          <a:effectLst/>
+                        </a:rPr>
+                        <a:t>ditambahkan</a:t>
+                      </a:r>
+                      <a:r>
+                        <a:rPr lang="en-US" sz="1100" dirty="0">
+                          <a:effectLst/>
+                        </a:rPr>
+                        <a:t> </a:t>
                       </a:r>
                     </a:p>
                     <a:p>
@@ -21441,12 +22744,96 @@
                         </a:spcAft>
                       </a:pPr>
                       <a:r>
-                        <a:rPr lang="en-US" sz="1100">
-                          <a:effectLst/>
-                        </a:rPr>
-                        <a:t>2. Jika Admin memilih batal maka akan dikembalikan ke Menu Sejarah</a:t>
-                      </a:r>
-                      <a:endParaRPr lang="en-US" sz="1100">
+                        <a:rPr lang="en-US" sz="1100" dirty="0">
+                          <a:effectLst/>
+                        </a:rPr>
+                        <a:t>2. </a:t>
+                      </a:r>
+                      <a:r>
+                        <a:rPr lang="en-US" sz="1100" dirty="0" err="1">
+                          <a:effectLst/>
+                        </a:rPr>
+                        <a:t>Jika</a:t>
+                      </a:r>
+                      <a:r>
+                        <a:rPr lang="en-US" sz="1100" dirty="0">
+                          <a:effectLst/>
+                        </a:rPr>
+                        <a:t> Admin </a:t>
+                      </a:r>
+                      <a:r>
+                        <a:rPr lang="en-US" sz="1100" dirty="0" err="1">
+                          <a:effectLst/>
+                        </a:rPr>
+                        <a:t>memilih</a:t>
+                      </a:r>
+                      <a:r>
+                        <a:rPr lang="en-US" sz="1100" dirty="0">
+                          <a:effectLst/>
+                        </a:rPr>
+                        <a:t> </a:t>
+                      </a:r>
+                      <a:r>
+                        <a:rPr lang="en-US" sz="1100" dirty="0" smtClean="0">
+                          <a:effectLst/>
+                        </a:rPr>
+                        <a:t>reset </a:t>
+                      </a:r>
+                      <a:r>
+                        <a:rPr lang="en-US" sz="1100" dirty="0" err="1">
+                          <a:effectLst/>
+                        </a:rPr>
+                        <a:t>maka</a:t>
+                      </a:r>
+                      <a:r>
+                        <a:rPr lang="en-US" sz="1100" dirty="0">
+                          <a:effectLst/>
+                        </a:rPr>
+                        <a:t> </a:t>
+                      </a:r>
+                      <a:r>
+                        <a:rPr lang="en-US" sz="1100" dirty="0" err="1">
+                          <a:effectLst/>
+                        </a:rPr>
+                        <a:t>akan</a:t>
+                      </a:r>
+                      <a:r>
+                        <a:rPr lang="en-US" sz="1100" dirty="0">
+                          <a:effectLst/>
+                        </a:rPr>
+                        <a:t> </a:t>
+                      </a:r>
+                      <a:r>
+                        <a:rPr lang="en-US" sz="1100" dirty="0" err="1">
+                          <a:effectLst/>
+                        </a:rPr>
+                        <a:t>dikembalikan</a:t>
+                      </a:r>
+                      <a:r>
+                        <a:rPr lang="en-US" sz="1100" dirty="0">
+                          <a:effectLst/>
+                        </a:rPr>
+                        <a:t> </a:t>
+                      </a:r>
+                      <a:r>
+                        <a:rPr lang="en-US" sz="1100" dirty="0" err="1">
+                          <a:effectLst/>
+                        </a:rPr>
+                        <a:t>ke</a:t>
+                      </a:r>
+                      <a:r>
+                        <a:rPr lang="en-US" sz="1100" dirty="0">
+                          <a:effectLst/>
+                        </a:rPr>
+                        <a:t> Menu </a:t>
+                      </a:r>
+                      <a:r>
+                        <a:rPr lang="en-US" sz="1100" dirty="0" err="1">
+                          <a:effectLst/>
+                        </a:rPr>
+                        <a:t>Sejarah</a:t>
+                      </a:r>
+                      <a:endParaRPr lang="en-US" sz="1100" dirty="0">
                         <a:effectLst/>
                         <a:latin typeface="Calibri" panose="020F0502020204030204" pitchFamily="34" charset="0"/>
                         <a:ea typeface="Calibri" panose="020F0502020204030204" pitchFamily="34" charset="0"/>
@@ -21696,6 +23083,13 @@
   <p:clrMapOvr>
     <a:masterClrMapping/>
   </p:clrMapOvr>
+  <p:timing>
+    <p:tnLst>
+      <p:par>
+        <p:cTn id="1" dur="indefinite" restart="never" nodeType="tmRoot"/>
+      </p:par>
+    </p:tnLst>
+  </p:timing>
 </p:sld>
 </file>
 
@@ -21844,14 +23238,14 @@
           <p:nvPr>
             <p:extLst>
               <p:ext uri="{D42A27DB-BD31-4B8C-83A1-F6EECF244321}">
-                <p14:modId xmlns:p14="http://schemas.microsoft.com/office/powerpoint/2010/main" val="285374056"/>
+                <p14:modId xmlns:p14="http://schemas.microsoft.com/office/powerpoint/2010/main" val="781736196"/>
               </p:ext>
             </p:extLst>
           </p:nvPr>
         </p:nvGraphicFramePr>
         <p:xfrm>
           <a:off x="3576549" y="686701"/>
-          <a:ext cx="5937250" cy="1855216"/>
+          <a:ext cx="5937250" cy="1916303"/>
         </p:xfrm>
         <a:graphic>
           <a:graphicData uri="http://schemas.openxmlformats.org/drawingml/2006/table">
@@ -22299,11 +23693,92 @@
                         </a:spcAft>
                       </a:pPr>
                       <a:r>
-                        <a:rPr lang="en-US" sz="1100">
-                          <a:effectLst/>
-                        </a:rPr>
-                        <a:t>1. Jika Admin memilih hapus maka sejarah akan dihapus</a:t>
-                      </a:r>
+                        <a:rPr lang="en-US" sz="1100" dirty="0">
+                          <a:effectLst/>
+                        </a:rPr>
+                        <a:t>1. </a:t>
+                      </a:r>
+                      <a:r>
+                        <a:rPr lang="en-US" sz="1100" dirty="0" err="1">
+                          <a:effectLst/>
+                        </a:rPr>
+                        <a:t>Jika</a:t>
+                      </a:r>
+                      <a:r>
+                        <a:rPr lang="en-US" sz="1100" dirty="0">
+                          <a:effectLst/>
+                        </a:rPr>
+                        <a:t> Admin </a:t>
+                      </a:r>
+                      <a:r>
+                        <a:rPr lang="en-US" sz="1100" dirty="0" err="1">
+                          <a:effectLst/>
+                        </a:rPr>
+                        <a:t>memilih</a:t>
+                      </a:r>
+                      <a:r>
+                        <a:rPr lang="en-US" sz="1100" dirty="0">
+                          <a:effectLst/>
+                        </a:rPr>
+                        <a:t> </a:t>
+                      </a:r>
+                      <a:r>
+                        <a:rPr lang="en-US" sz="1100" dirty="0" err="1">
+                          <a:effectLst/>
+                        </a:rPr>
+                        <a:t>hapus</a:t>
+                      </a:r>
+                      <a:r>
+                        <a:rPr lang="en-US" sz="1100" dirty="0">
+                          <a:effectLst/>
+                        </a:rPr>
+                        <a:t> </a:t>
+                      </a:r>
+                      <a:r>
+                        <a:rPr lang="en-US" sz="1100" dirty="0" err="1">
+                          <a:effectLst/>
+                        </a:rPr>
+                        <a:t>maka</a:t>
+                      </a:r>
+                      <a:r>
+                        <a:rPr lang="en-US" sz="1100" dirty="0">
+                          <a:effectLst/>
+                        </a:rPr>
+                        <a:t> </a:t>
+                      </a:r>
+                      <a:r>
+                        <a:rPr lang="en-US" sz="1100" dirty="0" err="1">
+                          <a:effectLst/>
+                        </a:rPr>
+                        <a:t>sejarah</a:t>
+                      </a:r>
+                      <a:r>
+                        <a:rPr lang="en-US" sz="1100" dirty="0">
+                          <a:effectLst/>
+                        </a:rPr>
+                        <a:t> </a:t>
+                      </a:r>
+                      <a:r>
+                        <a:rPr lang="en-US" sz="1100" dirty="0" err="1">
+                          <a:effectLst/>
+                        </a:rPr>
+                        <a:t>akan</a:t>
+                      </a:r>
+                      <a:r>
+                        <a:rPr lang="en-US" sz="1100" dirty="0">
+                          <a:effectLst/>
+                        </a:rPr>
+                        <a:t> </a:t>
+                      </a:r>
+                      <a:r>
+                        <a:rPr lang="en-US" sz="1100" dirty="0" err="1">
+                          <a:effectLst/>
+                        </a:rPr>
+                        <a:t>dihapus</a:t>
+                      </a:r>
+                      <a:endParaRPr lang="en-US" sz="1100" dirty="0">
+                        <a:effectLst/>
+                      </a:endParaRPr>
                     </a:p>
                     <a:p>
                       <a:pPr marL="0" marR="0">
@@ -22318,12 +23793,96 @@
                         </a:spcAft>
                       </a:pPr>
                       <a:r>
-                        <a:rPr lang="en-US" sz="1100">
-                          <a:effectLst/>
-                        </a:rPr>
-                        <a:t>2. Jika Admin memilih batal maka akan dikembalikan ke Menu Sejarah</a:t>
-                      </a:r>
-                      <a:endParaRPr lang="en-US" sz="1100">
+                        <a:rPr lang="en-US" sz="1100" dirty="0">
+                          <a:effectLst/>
+                        </a:rPr>
+                        <a:t>2. </a:t>
+                      </a:r>
+                      <a:r>
+                        <a:rPr lang="en-US" sz="1100" dirty="0" err="1">
+                          <a:effectLst/>
+                        </a:rPr>
+                        <a:t>Jika</a:t>
+                      </a:r>
+                      <a:r>
+                        <a:rPr lang="en-US" sz="1100" dirty="0">
+                          <a:effectLst/>
+                        </a:rPr>
+                        <a:t> Admin </a:t>
+                      </a:r>
+                      <a:r>
+                        <a:rPr lang="en-US" sz="1100" dirty="0" err="1">
+                          <a:effectLst/>
+                        </a:rPr>
+                        <a:t>memilih</a:t>
+                      </a:r>
+                      <a:r>
+                        <a:rPr lang="en-US" sz="1100" dirty="0">
+                          <a:effectLst/>
+                        </a:rPr>
+                        <a:t> </a:t>
+                      </a:r>
+                      <a:r>
+                        <a:rPr lang="en-US" sz="1100" dirty="0" smtClean="0">
+                          <a:effectLst/>
+                        </a:rPr>
+                        <a:t>cancel </a:t>
+                      </a:r>
+                      <a:r>
+                        <a:rPr lang="en-US" sz="1100" dirty="0" err="1">
+                          <a:effectLst/>
+                        </a:rPr>
+                        <a:t>maka</a:t>
+                      </a:r>
+                      <a:r>
+                        <a:rPr lang="en-US" sz="1100" dirty="0">
+                          <a:effectLst/>
+                        </a:rPr>
+                        <a:t> </a:t>
+                      </a:r>
+                      <a:r>
+                        <a:rPr lang="en-US" sz="1100" dirty="0" err="1">
+                          <a:effectLst/>
+                        </a:rPr>
+                        <a:t>akan</a:t>
+                      </a:r>
+                      <a:r>
+                        <a:rPr lang="en-US" sz="1100" dirty="0">
+                          <a:effectLst/>
+                        </a:rPr>
+                        <a:t> </a:t>
+                      </a:r>
+                      <a:r>
+                        <a:rPr lang="en-US" sz="1100" dirty="0" err="1">
+                          <a:effectLst/>
+                        </a:rPr>
+                        <a:t>dikembalikan</a:t>
+                      </a:r>
+                      <a:r>
+                        <a:rPr lang="en-US" sz="1100" dirty="0">
+                          <a:effectLst/>
+                        </a:rPr>
+                        <a:t> </a:t>
+                      </a:r>
+                      <a:r>
+                        <a:rPr lang="en-US" sz="1100" dirty="0" err="1">
+                          <a:effectLst/>
+                        </a:rPr>
+                        <a:t>ke</a:t>
+                      </a:r>
+                      <a:r>
+                        <a:rPr lang="en-US" sz="1100" dirty="0">
+                          <a:effectLst/>
+                        </a:rPr>
+                        <a:t> Menu </a:t>
+                      </a:r>
+                      <a:r>
+                        <a:rPr lang="en-US" sz="1100" dirty="0" err="1">
+                          <a:effectLst/>
+                        </a:rPr>
+                        <a:t>Sejarah</a:t>
+                      </a:r>
+                      <a:endParaRPr lang="en-US" sz="1100" dirty="0">
                         <a:effectLst/>
                         <a:latin typeface="Calibri" panose="020F0502020204030204" pitchFamily="34" charset="0"/>
                         <a:ea typeface="Calibri" panose="020F0502020204030204" pitchFamily="34" charset="0"/>
@@ -22572,14 +24131,14 @@
           <p:nvPr>
             <p:extLst>
               <p:ext uri="{D42A27DB-BD31-4B8C-83A1-F6EECF244321}">
-                <p14:modId xmlns:p14="http://schemas.microsoft.com/office/powerpoint/2010/main" val="3198848833"/>
+                <p14:modId xmlns:p14="http://schemas.microsoft.com/office/powerpoint/2010/main" val="3016642658"/>
               </p:ext>
             </p:extLst>
           </p:nvPr>
         </p:nvGraphicFramePr>
         <p:xfrm>
           <a:off x="3525034" y="3307751"/>
-          <a:ext cx="5937250" cy="2048002"/>
+          <a:ext cx="5937250" cy="2109089"/>
         </p:xfrm>
         <a:graphic>
           <a:graphicData uri="http://schemas.openxmlformats.org/drawingml/2006/table">
@@ -22609,12 +24168,24 @@
                         </a:spcAft>
                       </a:pPr>
                       <a:r>
-                        <a:rPr lang="en-US" sz="1100">
-                          <a:effectLst/>
-                        </a:rPr>
-                        <a:t>Nama UseCase</a:t>
-                      </a:r>
-                      <a:endParaRPr lang="en-US" sz="1100">
+                        <a:rPr lang="en-US" sz="1100" dirty="0" err="1">
+                          <a:effectLst/>
+                        </a:rPr>
+                        <a:t>Nama</a:t>
+                      </a:r>
+                      <a:r>
+                        <a:rPr lang="en-US" sz="1100" dirty="0">
+                          <a:effectLst/>
+                        </a:rPr>
+                        <a:t> </a:t>
+                      </a:r>
+                      <a:r>
+                        <a:rPr lang="en-US" sz="1100" dirty="0" err="1">
+                          <a:effectLst/>
+                        </a:rPr>
+                        <a:t>UseCase</a:t>
+                      </a:r>
+                      <a:endParaRPr lang="en-US" sz="1100" dirty="0">
                         <a:effectLst/>
                         <a:latin typeface="Calibri" panose="020F0502020204030204" pitchFamily="34" charset="0"/>
                         <a:ea typeface="Calibri" panose="020F0502020204030204" pitchFamily="34" charset="0"/>
@@ -22962,11 +24533,92 @@
                         </a:spcAft>
                       </a:pPr>
                       <a:r>
-                        <a:rPr lang="en-US" sz="1100">
-                          <a:effectLst/>
-                        </a:rPr>
-                        <a:t>1. Jika Admin memilih edit maka deskripsi sejarah akan diedit</a:t>
-                      </a:r>
+                        <a:rPr lang="en-US" sz="1100" dirty="0">
+                          <a:effectLst/>
+                        </a:rPr>
+                        <a:t>1. </a:t>
+                      </a:r>
+                      <a:r>
+                        <a:rPr lang="en-US" sz="1100" dirty="0" err="1">
+                          <a:effectLst/>
+                        </a:rPr>
+                        <a:t>Jika</a:t>
+                      </a:r>
+                      <a:r>
+                        <a:rPr lang="en-US" sz="1100" dirty="0">
+                          <a:effectLst/>
+                        </a:rPr>
+                        <a:t> Admin </a:t>
+                      </a:r>
+                      <a:r>
+                        <a:rPr lang="en-US" sz="1100" dirty="0" err="1">
+                          <a:effectLst/>
+                        </a:rPr>
+                        <a:t>memilih</a:t>
+                      </a:r>
+                      <a:r>
+                        <a:rPr lang="en-US" sz="1100" dirty="0">
+                          <a:effectLst/>
+                        </a:rPr>
+                        <a:t> edit </a:t>
+                      </a:r>
+                      <a:r>
+                        <a:rPr lang="en-US" sz="1100" dirty="0" err="1">
+                          <a:effectLst/>
+                        </a:rPr>
+                        <a:t>maka</a:t>
+                      </a:r>
+                      <a:r>
+                        <a:rPr lang="en-US" sz="1100" dirty="0">
+                          <a:effectLst/>
+                        </a:rPr>
+                        <a:t> </a:t>
+                      </a:r>
+                      <a:r>
+                        <a:rPr lang="en-US" sz="1100" dirty="0" err="1">
+                          <a:effectLst/>
+                        </a:rPr>
+                        <a:t>deskripsi</a:t>
+                      </a:r>
+                      <a:r>
+                        <a:rPr lang="en-US" sz="1100" dirty="0">
+                          <a:effectLst/>
+                        </a:rPr>
+                        <a:t> </a:t>
+                      </a:r>
+                      <a:r>
+                        <a:rPr lang="en-US" sz="1100" dirty="0" err="1">
+                          <a:effectLst/>
+                        </a:rPr>
+                        <a:t>sejarah</a:t>
+                      </a:r>
+                      <a:r>
+                        <a:rPr lang="en-US" sz="1100" dirty="0">
+                          <a:effectLst/>
+                        </a:rPr>
+                        <a:t> </a:t>
+                      </a:r>
+                      <a:r>
+                        <a:rPr lang="en-US" sz="1100" dirty="0" err="1">
+                          <a:effectLst/>
+                        </a:rPr>
+                        <a:t>akan</a:t>
+                      </a:r>
+                      <a:r>
+                        <a:rPr lang="en-US" sz="1100" dirty="0">
+                          <a:effectLst/>
+                        </a:rPr>
+                        <a:t> </a:t>
+                      </a:r>
+                      <a:r>
+                        <a:rPr lang="en-US" sz="1100" dirty="0" err="1">
+                          <a:effectLst/>
+                        </a:rPr>
+                        <a:t>diedit</a:t>
+                      </a:r>
+                      <a:endParaRPr lang="en-US" sz="1100" dirty="0">
+                        <a:effectLst/>
+                      </a:endParaRPr>
                     </a:p>
                     <a:p>
                       <a:pPr marL="0" marR="0">
@@ -22981,12 +24633,96 @@
                         </a:spcAft>
                       </a:pPr>
                       <a:r>
-                        <a:rPr lang="en-US" sz="1100">
-                          <a:effectLst/>
-                        </a:rPr>
-                        <a:t>2. Jika Admin memilih batal maka akan dikembalikan ke Menu Sejarah</a:t>
-                      </a:r>
-                      <a:endParaRPr lang="en-US" sz="1100">
+                        <a:rPr lang="en-US" sz="1100" dirty="0">
+                          <a:effectLst/>
+                        </a:rPr>
+                        <a:t>2. </a:t>
+                      </a:r>
+                      <a:r>
+                        <a:rPr lang="en-US" sz="1100" dirty="0" err="1">
+                          <a:effectLst/>
+                        </a:rPr>
+                        <a:t>Jika</a:t>
+                      </a:r>
+                      <a:r>
+                        <a:rPr lang="en-US" sz="1100" dirty="0">
+                          <a:effectLst/>
+                        </a:rPr>
+                        <a:t> Admin </a:t>
+                      </a:r>
+                      <a:r>
+                        <a:rPr lang="en-US" sz="1100" dirty="0" err="1">
+                          <a:effectLst/>
+                        </a:rPr>
+                        <a:t>memilih</a:t>
+                      </a:r>
+                      <a:r>
+                        <a:rPr lang="en-US" sz="1100" dirty="0">
+                          <a:effectLst/>
+                        </a:rPr>
+                        <a:t> </a:t>
+                      </a:r>
+                      <a:r>
+                        <a:rPr lang="en-US" sz="1100" dirty="0" smtClean="0">
+                          <a:effectLst/>
+                        </a:rPr>
+                        <a:t>cancel </a:t>
+                      </a:r>
+                      <a:r>
+                        <a:rPr lang="en-US" sz="1100" dirty="0" err="1">
+                          <a:effectLst/>
+                        </a:rPr>
+                        <a:t>maka</a:t>
+                      </a:r>
+                      <a:r>
+                        <a:rPr lang="en-US" sz="1100" dirty="0">
+                          <a:effectLst/>
+                        </a:rPr>
+                        <a:t> </a:t>
+                      </a:r>
+                      <a:r>
+                        <a:rPr lang="en-US" sz="1100" dirty="0" err="1">
+                          <a:effectLst/>
+                        </a:rPr>
+                        <a:t>akan</a:t>
+                      </a:r>
+                      <a:r>
+                        <a:rPr lang="en-US" sz="1100" dirty="0">
+                          <a:effectLst/>
+                        </a:rPr>
+                        <a:t> </a:t>
+                      </a:r>
+                      <a:r>
+                        <a:rPr lang="en-US" sz="1100" dirty="0" err="1">
+                          <a:effectLst/>
+                        </a:rPr>
+                        <a:t>dikembalikan</a:t>
+                      </a:r>
+                      <a:r>
+                        <a:rPr lang="en-US" sz="1100" dirty="0">
+                          <a:effectLst/>
+                        </a:rPr>
+                        <a:t> </a:t>
+                      </a:r>
+                      <a:r>
+                        <a:rPr lang="en-US" sz="1100" dirty="0" err="1">
+                          <a:effectLst/>
+                        </a:rPr>
+                        <a:t>ke</a:t>
+                      </a:r>
+                      <a:r>
+                        <a:rPr lang="en-US" sz="1100" dirty="0">
+                          <a:effectLst/>
+                        </a:rPr>
+                        <a:t> Menu </a:t>
+                      </a:r>
+                      <a:r>
+                        <a:rPr lang="en-US" sz="1100" dirty="0" err="1">
+                          <a:effectLst/>
+                        </a:rPr>
+                        <a:t>Sejarah</a:t>
+                      </a:r>
+                      <a:endParaRPr lang="en-US" sz="1100" dirty="0">
                         <a:effectLst/>
                         <a:latin typeface="Calibri" panose="020F0502020204030204" pitchFamily="34" charset="0"/>
                         <a:ea typeface="Calibri" panose="020F0502020204030204" pitchFamily="34" charset="0"/>
@@ -23047,12 +24783,36 @@
                         </a:spcAft>
                       </a:pPr>
                       <a:r>
-                        <a:rPr lang="en-US" sz="1100">
-                          <a:effectLst/>
-                        </a:rPr>
-                        <a:t>Kembali ke Menu Sejarah</a:t>
-                      </a:r>
-                      <a:endParaRPr lang="en-US" sz="1100">
+                        <a:rPr lang="en-US" sz="1100" dirty="0" err="1">
+                          <a:effectLst/>
+                        </a:rPr>
+                        <a:t>Kembali</a:t>
+                      </a:r>
+                      <a:r>
+                        <a:rPr lang="en-US" sz="1100" dirty="0">
+                          <a:effectLst/>
+                        </a:rPr>
+                        <a:t> </a:t>
+                      </a:r>
+                      <a:r>
+                        <a:rPr lang="en-US" sz="1100" dirty="0" err="1">
+                          <a:effectLst/>
+                        </a:rPr>
+                        <a:t>ke</a:t>
+                      </a:r>
+                      <a:r>
+                        <a:rPr lang="en-US" sz="1100" dirty="0">
+                          <a:effectLst/>
+                        </a:rPr>
+                        <a:t> Menu </a:t>
+                      </a:r>
+                      <a:r>
+                        <a:rPr lang="en-US" sz="1100" dirty="0" err="1">
+                          <a:effectLst/>
+                        </a:rPr>
+                        <a:t>Sejarah</a:t>
+                      </a:r>
+                      <a:endParaRPr lang="en-US" sz="1100" dirty="0">
                         <a:effectLst/>
                         <a:latin typeface="Calibri" panose="020F0502020204030204" pitchFamily="34" charset="0"/>
                         <a:ea typeface="Calibri" panose="020F0502020204030204" pitchFamily="34" charset="0"/>
@@ -23248,6 +25008,13 @@
   <p:clrMapOvr>
     <a:masterClrMapping/>
   </p:clrMapOvr>
+  <p:timing>
+    <p:tnLst>
+      <p:par>
+        <p:cTn id="1" dur="indefinite" restart="never" nodeType="tmRoot"/>
+      </p:par>
+    </p:tnLst>
+  </p:timing>
 </p:sld>
 </file>
 
@@ -23335,6 +25102,13 @@
   <p:clrMapOvr>
     <a:masterClrMapping/>
   </p:clrMapOvr>
+  <p:timing>
+    <p:tnLst>
+      <p:par>
+        <p:cTn id="1" dur="indefinite" restart="never" nodeType="tmRoot"/>
+      </p:par>
+    </p:tnLst>
+  </p:timing>
 </p:sld>
 </file>
 
@@ -23520,6 +25294,13 @@
   <p:clrMapOvr>
     <a:masterClrMapping/>
   </p:clrMapOvr>
+  <p:timing>
+    <p:tnLst>
+      <p:par>
+        <p:cTn id="1" dur="indefinite" restart="never" nodeType="tmRoot"/>
+      </p:par>
+    </p:tnLst>
+  </p:timing>
 </p:sld>
 </file>
 
@@ -23705,6 +25486,13 @@
   <p:clrMapOvr>
     <a:masterClrMapping/>
   </p:clrMapOvr>
+  <p:timing>
+    <p:tnLst>
+      <p:par>
+        <p:cTn id="1" dur="indefinite" restart="never" nodeType="tmRoot"/>
+      </p:par>
+    </p:tnLst>
+  </p:timing>
 </p:sld>
 </file>
 
@@ -23954,11 +25742,7 @@
             </a:r>
             <a:r>
               <a:rPr lang="en-US" sz="2600" dirty="0"/>
-              <a:t>.</a:t>
-            </a:r>
-            <a:r>
-              <a:rPr lang="en-US" sz="2600" dirty="0"/>
-              <a:t> </a:t>
+              <a:t>. </a:t>
             </a:r>
             <a:endParaRPr lang="en-US" sz="2600" dirty="0" smtClean="0"/>
           </a:p>
@@ -24399,11 +26183,7 @@
             </a:r>
             <a:r>
               <a:rPr lang="en-US" dirty="0"/>
-              <a:t>.</a:t>
-            </a:r>
-            <a:r>
-              <a:rPr lang="en-US" dirty="0"/>
-              <a:t> </a:t>
+              <a:t>. </a:t>
             </a:r>
             <a:br>
               <a:rPr lang="en-US" dirty="0"/>
@@ -24429,6 +26209,13 @@
   <p:clrMapOvr>
     <a:masterClrMapping/>
   </p:clrMapOvr>
+  <p:timing>
+    <p:tnLst>
+      <p:par>
+        <p:cTn id="1" dur="indefinite" restart="never" nodeType="tmRoot"/>
+      </p:par>
+    </p:tnLst>
+  </p:timing>
 </p:sld>
 </file>
 
@@ -26541,6 +28328,13 @@
   <p:clrMapOvr>
     <a:masterClrMapping/>
   </p:clrMapOvr>
+  <p:timing>
+    <p:tnLst>
+      <p:par>
+        <p:cTn id="1" dur="indefinite" restart="never" nodeType="tmRoot"/>
+      </p:par>
+    </p:tnLst>
+  </p:timing>
 </p:sld>
 </file>
 
@@ -28638,7 +30432,7 @@
         </p:nvGraphicFramePr>
         <p:xfrm>
           <a:off x="3393880" y="504508"/>
-          <a:ext cx="5401066" cy="5524607"/>
+          <a:ext cx="5401066" cy="5608320"/>
         </p:xfrm>
         <a:graphic>
           <a:graphicData uri="http://schemas.openxmlformats.org/drawingml/2006/table">
@@ -30816,6 +32610,13 @@
   <p:clrMapOvr>
     <a:masterClrMapping/>
   </p:clrMapOvr>
+  <p:timing>
+    <p:tnLst>
+      <p:par>
+        <p:cTn id="1" dur="indefinite" restart="never" nodeType="tmRoot"/>
+      </p:par>
+    </p:tnLst>
+  </p:timing>
 </p:sld>
 </file>
 
@@ -30949,6 +32750,13 @@
   <p:clrMapOvr>
     <a:masterClrMapping/>
   </p:clrMapOvr>
+  <p:timing>
+    <p:tnLst>
+      <p:par>
+        <p:cTn id="1" dur="indefinite" restart="never" nodeType="tmRoot"/>
+      </p:par>
+    </p:tnLst>
+  </p:timing>
 </p:sld>
 </file>
 
@@ -31085,6 +32893,13 @@
   <p:clrMapOvr>
     <a:masterClrMapping/>
   </p:clrMapOvr>
+  <p:timing>
+    <p:tnLst>
+      <p:par>
+        <p:cTn id="1" dur="indefinite" restart="never" nodeType="tmRoot"/>
+      </p:par>
+    </p:tnLst>
+  </p:timing>
 </p:sld>
 </file>
 
@@ -31509,7 +33324,7 @@
         </p:nvGraphicFramePr>
         <p:xfrm>
           <a:off x="3225995" y="1541610"/>
-          <a:ext cx="5937250" cy="1471295"/>
+          <a:ext cx="5937250" cy="1542288"/>
         </p:xfrm>
         <a:graphic>
           <a:graphicData uri="http://schemas.openxmlformats.org/drawingml/2006/table">
@@ -32190,7 +34005,7 @@
         </p:nvGraphicFramePr>
         <p:xfrm>
           <a:off x="3225995" y="3687495"/>
-          <a:ext cx="5937250" cy="1471295"/>
+          <a:ext cx="5937250" cy="1542288"/>
         </p:xfrm>
         <a:graphic>
           <a:graphicData uri="http://schemas.openxmlformats.org/drawingml/2006/table">
@@ -32826,6 +34641,13 @@
   <p:clrMapOvr>
     <a:masterClrMapping/>
   </p:clrMapOvr>
+  <p:timing>
+    <p:tnLst>
+      <p:par>
+        <p:cTn id="1" dur="indefinite" restart="never" nodeType="tmRoot"/>
+      </p:par>
+    </p:tnLst>
+  </p:timing>
 </p:sld>
 </file>
 
